--- a/기타/인터페이스/인터페이스 양식.pptx
+++ b/기타/인터페이스/인터페이스 양식.pptx
@@ -6,14 +6,7 @@
   </p:sldMasterIdLst>
   <p:sldIdLst>
     <p:sldId id="256" r:id="rId2"/>
-    <p:sldId id="257" r:id="rId3"/>
-    <p:sldId id="258" r:id="rId4"/>
-    <p:sldId id="259" r:id="rId5"/>
-    <p:sldId id="260" r:id="rId6"/>
-    <p:sldId id="261" r:id="rId7"/>
-    <p:sldId id="262" r:id="rId8"/>
-    <p:sldId id="265" r:id="rId9"/>
-    <p:sldId id="263" r:id="rId10"/>
+    <p:sldId id="262" r:id="rId3"/>
   </p:sldIdLst>
   <p:sldSz cx="12192000" cy="6858000"/>
   <p:notesSz cx="6858000" cy="9144000"/>
@@ -112,6 +105,11 @@
       </a:defRPr>
     </a:lvl9pPr>
   </p:defaultTextStyle>
+  <p:extLst>
+    <p:ext uri="{EFAFB233-063F-42B5-8137-9DF3F51BA10A}">
+      <p15:sldGuideLst xmlns:p15="http://schemas.microsoft.com/office/powerpoint/2012/main"/>
+    </p:ext>
+  </p:extLst>
 </p:presentation>
 </file>
 
@@ -3412,1856 +3410,6 @@
                 <a:endParaRPr lang="en-US" altLang="ko-KR" dirty="0" smtClean="0"/>
               </a:p>
               <a:p>
-                <a:pPr algn="ctr"/>
-                <a:endParaRPr lang="en-US" altLang="ko-KR" dirty="0" smtClean="0"/>
-              </a:p>
-              <a:p>
-                <a:pPr algn="ctr"/>
-                <a:r>
-                  <a:rPr lang="ko-KR" altLang="en-US" dirty="0" smtClean="0"/>
-                  <a:t>조  회 </a:t>
-                </a:r>
-                <a:endParaRPr lang="en-US" altLang="ko-KR" dirty="0" smtClean="0"/>
-              </a:p>
-              <a:p>
-                <a:pPr algn="ctr"/>
-                <a:r>
-                  <a:rPr lang="ko-KR" altLang="en-US" dirty="0" smtClean="0"/>
-                  <a:t> </a:t>
-                </a:r>
-                <a:endParaRPr lang="en-US" altLang="ko-KR" dirty="0" smtClean="0"/>
-              </a:p>
-              <a:p>
-                <a:pPr algn="ctr"/>
-                <a:r>
-                  <a:rPr lang="ko-KR" altLang="en-US" dirty="0" smtClean="0"/>
-                  <a:t>입  금</a:t>
-                </a:r>
-                <a:endParaRPr lang="en-US" altLang="ko-KR" dirty="0" smtClean="0"/>
-              </a:p>
-              <a:p>
-                <a:pPr algn="ctr"/>
-                <a:endParaRPr lang="en-US" altLang="ko-KR" dirty="0" smtClean="0"/>
-              </a:p>
-              <a:p>
-                <a:pPr algn="ctr"/>
-                <a:r>
-                  <a:rPr lang="ko-KR" altLang="en-US" dirty="0" smtClean="0"/>
-                  <a:t>출  금</a:t>
-                </a:r>
-                <a:endParaRPr lang="en-US" altLang="ko-KR" dirty="0" smtClean="0"/>
-              </a:p>
-              <a:p>
-                <a:pPr algn="ctr"/>
-                <a:endParaRPr lang="en-US" altLang="ko-KR" dirty="0" smtClean="0"/>
-              </a:p>
-              <a:p>
-                <a:pPr algn="ctr"/>
-                <a:r>
-                  <a:rPr lang="ko-KR" altLang="en-US" dirty="0" smtClean="0"/>
-                  <a:t>이  체</a:t>
-                </a:r>
-                <a:endParaRPr lang="en-US" altLang="ko-KR" dirty="0" smtClean="0"/>
-              </a:p>
-              <a:p>
-                <a:pPr algn="ctr"/>
-                <a:endParaRPr lang="en-US" altLang="ko-KR" dirty="0" smtClean="0"/>
-              </a:p>
-              <a:p>
-                <a:pPr algn="ctr"/>
-                <a:r>
-                  <a:rPr lang="ko-KR" altLang="en-US" dirty="0" smtClean="0"/>
-                  <a:t>납  부</a:t>
-                </a:r>
-                <a:endParaRPr lang="en-US" altLang="ko-KR" dirty="0" smtClean="0"/>
-              </a:p>
-              <a:p>
-                <a:pPr algn="ctr"/>
-                <a:endParaRPr lang="en-US" altLang="ko-KR" dirty="0" smtClean="0"/>
-              </a:p>
-              <a:p>
-                <a:pPr algn="ctr"/>
-                <a:r>
-                  <a:rPr lang="ko-KR" altLang="en-US" dirty="0" smtClean="0"/>
-                  <a:t>부가서비스</a:t>
-                </a:r>
-                <a:endParaRPr lang="ko-KR" altLang="en-US" dirty="0"/>
-              </a:p>
-            </p:txBody>
-          </p:sp>
-          <p:sp>
-            <p:nvSpPr>
-              <p:cNvPr id="5" name="직사각형 4"/>
-              <p:cNvSpPr/>
-              <p:nvPr/>
-            </p:nvSpPr>
-            <p:spPr>
-              <a:xfrm>
-                <a:off x="1296537" y="721092"/>
-                <a:ext cx="9908275" cy="313899"/>
-              </a:xfrm>
-              <a:prstGeom prst="rect">
-                <a:avLst/>
-              </a:prstGeom>
-            </p:spPr>
-            <p:style>
-              <a:lnRef idx="2">
-                <a:schemeClr val="accent3">
-                  <a:shade val="50000"/>
-                </a:schemeClr>
-              </a:lnRef>
-              <a:fillRef idx="1">
-                <a:schemeClr val="accent3"/>
-              </a:fillRef>
-              <a:effectRef idx="0">
-                <a:schemeClr val="accent3"/>
-              </a:effectRef>
-              <a:fontRef idx="minor">
-                <a:schemeClr val="lt1"/>
-              </a:fontRef>
-            </p:style>
-            <p:txBody>
-              <a:bodyPr rtlCol="0" anchor="ctr"/>
-              <a:lstStyle/>
-              <a:p>
-                <a:pPr algn="ctr"/>
-                <a:endParaRPr lang="ko-KR" altLang="en-US"/>
-              </a:p>
-            </p:txBody>
-          </p:sp>
-        </p:grpSp>
-        <p:grpSp>
-          <p:nvGrpSpPr>
-            <p:cNvPr id="9" name="그룹 8"/>
-            <p:cNvGrpSpPr/>
-            <p:nvPr/>
-          </p:nvGrpSpPr>
-          <p:grpSpPr>
-            <a:xfrm>
-              <a:off x="10877265" y="754281"/>
-              <a:ext cx="253476" cy="252000"/>
-              <a:chOff x="403229" y="3916409"/>
-              <a:chExt cx="253476" cy="252000"/>
-            </a:xfrm>
-          </p:grpSpPr>
-          <p:sp>
-            <p:nvSpPr>
-              <p:cNvPr id="7" name="순서도: 처리 6"/>
-              <p:cNvSpPr/>
-              <p:nvPr/>
-            </p:nvSpPr>
-            <p:spPr>
-              <a:xfrm>
-                <a:off x="403229" y="3916409"/>
-                <a:ext cx="253476" cy="252000"/>
-              </a:xfrm>
-              <a:prstGeom prst="flowChartProcess">
-                <a:avLst/>
-              </a:prstGeom>
-            </p:spPr>
-            <p:style>
-              <a:lnRef idx="2">
-                <a:schemeClr val="accent3">
-                  <a:shade val="50000"/>
-                </a:schemeClr>
-              </a:lnRef>
-              <a:fillRef idx="1">
-                <a:schemeClr val="accent3"/>
-              </a:fillRef>
-              <a:effectRef idx="0">
-                <a:schemeClr val="accent3"/>
-              </a:effectRef>
-              <a:fontRef idx="minor">
-                <a:schemeClr val="lt1"/>
-              </a:fontRef>
-            </p:style>
-            <p:txBody>
-              <a:bodyPr rtlCol="0" anchor="ctr"/>
-              <a:lstStyle/>
-              <a:p>
-                <a:pPr algn="ctr"/>
-                <a:endParaRPr lang="ko-KR" altLang="en-US"/>
-              </a:p>
-            </p:txBody>
-          </p:sp>
-          <p:sp>
-            <p:nvSpPr>
-              <p:cNvPr id="8" name="곱셈 기호 7"/>
-              <p:cNvSpPr/>
-              <p:nvPr/>
-            </p:nvSpPr>
-            <p:spPr>
-              <a:xfrm>
-                <a:off x="403229" y="3916409"/>
-                <a:ext cx="253476" cy="247523"/>
-              </a:xfrm>
-              <a:prstGeom prst="mathMultiply">
-                <a:avLst/>
-              </a:prstGeom>
-            </p:spPr>
-            <p:style>
-              <a:lnRef idx="2">
-                <a:schemeClr val="dk1"/>
-              </a:lnRef>
-              <a:fillRef idx="1">
-                <a:schemeClr val="lt1"/>
-              </a:fillRef>
-              <a:effectRef idx="0">
-                <a:schemeClr val="dk1"/>
-              </a:effectRef>
-              <a:fontRef idx="minor">
-                <a:schemeClr val="dk1"/>
-              </a:fontRef>
-            </p:style>
-            <p:txBody>
-              <a:bodyPr rtlCol="0" anchor="ctr"/>
-              <a:lstStyle/>
-              <a:p>
-                <a:pPr algn="ctr"/>
-                <a:endParaRPr lang="ko-KR" altLang="en-US"/>
-              </a:p>
-            </p:txBody>
-          </p:sp>
-        </p:grpSp>
-      </p:grpSp>
-      <p:sp>
-        <p:nvSpPr>
-          <p:cNvPr id="11" name="TextBox 10"/>
-          <p:cNvSpPr txBox="1"/>
-          <p:nvPr/>
-        </p:nvSpPr>
-        <p:spPr>
-          <a:xfrm>
-            <a:off x="5261956" y="4389120"/>
-            <a:ext cx="2036619" cy="369332"/>
-          </a:xfrm>
-          <a:prstGeom prst="rect">
-            <a:avLst/>
-          </a:prstGeom>
-          <a:noFill/>
-        </p:spPr>
-        <p:txBody>
-          <a:bodyPr wrap="square" rtlCol="0">
-            <a:spAutoFit/>
-          </a:bodyPr>
-          <a:lstStyle/>
-          <a:p>
-            <a:r>
-              <a:rPr lang="en-US" altLang="ko-KR" dirty="0" smtClean="0">
-                <a:solidFill>
-                  <a:schemeClr val="bg1"/>
-                </a:solidFill>
-              </a:rPr>
-              <a:t>&lt; </a:t>
-            </a:r>
-            <a:r>
-              <a:rPr lang="ko-KR" altLang="en-US" dirty="0" smtClean="0">
-                <a:solidFill>
-                  <a:schemeClr val="bg1"/>
-                </a:solidFill>
-              </a:rPr>
-              <a:t>부가서비스 </a:t>
-            </a:r>
-            <a:r>
-              <a:rPr lang="en-US" altLang="ko-KR" dirty="0" smtClean="0">
-                <a:solidFill>
-                  <a:schemeClr val="bg1"/>
-                </a:solidFill>
-              </a:rPr>
-              <a:t>&gt;</a:t>
-            </a:r>
-            <a:endParaRPr lang="ko-KR" altLang="en-US" dirty="0">
-              <a:solidFill>
-                <a:schemeClr val="bg1"/>
-              </a:solidFill>
-            </a:endParaRPr>
-          </a:p>
-        </p:txBody>
-      </p:sp>
-      <p:sp>
-        <p:nvSpPr>
-          <p:cNvPr id="12" name="TextBox 11"/>
-          <p:cNvSpPr txBox="1"/>
-          <p:nvPr/>
-        </p:nvSpPr>
-        <p:spPr>
-          <a:xfrm>
-            <a:off x="1213409" y="6205756"/>
-            <a:ext cx="4971233" cy="369332"/>
-          </a:xfrm>
-          <a:prstGeom prst="rect">
-            <a:avLst/>
-          </a:prstGeom>
-          <a:noFill/>
-        </p:spPr>
-        <p:txBody>
-          <a:bodyPr wrap="none" rtlCol="0">
-            <a:spAutoFit/>
-          </a:bodyPr>
-          <a:lstStyle/>
-          <a:p>
-            <a:r>
-              <a:rPr lang="ko-KR" altLang="en-US" dirty="0" smtClean="0"/>
-              <a:t>대기 화면 커서 구성</a:t>
-            </a:r>
-            <a:r>
-              <a:rPr lang="en-US" altLang="ko-KR" dirty="0" smtClean="0"/>
-              <a:t>(</a:t>
-            </a:r>
-            <a:r>
-              <a:rPr lang="ko-KR" altLang="en-US" dirty="0" smtClean="0"/>
-              <a:t>현재 부가서비스 선택 중</a:t>
-            </a:r>
-            <a:r>
-              <a:rPr lang="en-US" altLang="ko-KR" dirty="0" smtClean="0"/>
-              <a:t>)</a:t>
-            </a:r>
-            <a:endParaRPr lang="ko-KR" altLang="en-US" dirty="0"/>
-          </a:p>
-        </p:txBody>
-      </p:sp>
-      <p:sp>
-        <p:nvSpPr>
-          <p:cNvPr id="13" name="TextBox 12"/>
-          <p:cNvSpPr txBox="1"/>
-          <p:nvPr/>
-        </p:nvSpPr>
-        <p:spPr>
-          <a:xfrm>
-            <a:off x="1213408" y="217003"/>
-            <a:ext cx="2113079" cy="369332"/>
-          </a:xfrm>
-          <a:prstGeom prst="rect">
-            <a:avLst/>
-          </a:prstGeom>
-          <a:noFill/>
-        </p:spPr>
-        <p:txBody>
-          <a:bodyPr wrap="none" rtlCol="0">
-            <a:spAutoFit/>
-          </a:bodyPr>
-          <a:lstStyle/>
-          <a:p>
-            <a:r>
-              <a:rPr lang="ko-KR" altLang="en-US" dirty="0" smtClean="0"/>
-              <a:t>인터페이스 구성도</a:t>
-            </a:r>
-            <a:endParaRPr lang="ko-KR" altLang="en-US" dirty="0"/>
-          </a:p>
-        </p:txBody>
-      </p:sp>
-    </p:spTree>
-    <p:extLst>
-      <p:ext uri="{BB962C8B-B14F-4D97-AF65-F5344CB8AC3E}">
-        <p14:creationId xmlns:p14="http://schemas.microsoft.com/office/powerpoint/2010/main" val="3337098620"/>
-      </p:ext>
-    </p:extLst>
-  </p:cSld>
-  <p:clrMapOvr>
-    <a:masterClrMapping/>
-  </p:clrMapOvr>
-</p:sld>
-</file>
-
-<file path=ppt/slides/slide3.xml><?xml version="1.0" encoding="utf-8"?>
-<p:sld xmlns:a="http://schemas.openxmlformats.org/drawingml/2006/main" xmlns:r="http://schemas.openxmlformats.org/officeDocument/2006/relationships" xmlns:p="http://schemas.openxmlformats.org/presentationml/2006/main">
-  <p:cSld>
-    <p:spTree>
-      <p:nvGrpSpPr>
-        <p:cNvPr id="1" name=""/>
-        <p:cNvGrpSpPr/>
-        <p:nvPr/>
-      </p:nvGrpSpPr>
-      <p:grpSpPr>
-        <a:xfrm>
-          <a:off x="0" y="0"/>
-          <a:ext cx="0" cy="0"/>
-          <a:chOff x="0" y="0"/>
-          <a:chExt cx="0" cy="0"/>
-        </a:xfrm>
-      </p:grpSpPr>
-      <p:grpSp>
-        <p:nvGrpSpPr>
-          <p:cNvPr id="10" name="그룹 9"/>
-          <p:cNvGrpSpPr/>
-          <p:nvPr/>
-        </p:nvGrpSpPr>
-        <p:grpSpPr>
-          <a:xfrm>
-            <a:off x="1213409" y="787594"/>
-            <a:ext cx="9908275" cy="5104263"/>
-            <a:chOff x="1296537" y="721092"/>
-            <a:chExt cx="9908275" cy="5104263"/>
-          </a:xfrm>
-        </p:grpSpPr>
-        <p:grpSp>
-          <p:nvGrpSpPr>
-            <p:cNvPr id="6" name="그룹 5"/>
-            <p:cNvGrpSpPr/>
-            <p:nvPr/>
-          </p:nvGrpSpPr>
-          <p:grpSpPr>
-            <a:xfrm>
-              <a:off x="1296537" y="721092"/>
-              <a:ext cx="9908275" cy="5104263"/>
-              <a:chOff x="1296537" y="721092"/>
-              <a:chExt cx="9908275" cy="5104263"/>
-            </a:xfrm>
-          </p:grpSpPr>
-          <p:sp>
-            <p:nvSpPr>
-              <p:cNvPr id="4" name="직사각형 3"/>
-              <p:cNvSpPr/>
-              <p:nvPr/>
-            </p:nvSpPr>
-            <p:spPr>
-              <a:xfrm>
-                <a:off x="1296537" y="1034991"/>
-                <a:ext cx="9908275" cy="4790364"/>
-              </a:xfrm>
-              <a:prstGeom prst="rect">
-                <a:avLst/>
-              </a:prstGeom>
-            </p:spPr>
-            <p:style>
-              <a:lnRef idx="2">
-                <a:schemeClr val="dk1">
-                  <a:shade val="50000"/>
-                </a:schemeClr>
-              </a:lnRef>
-              <a:fillRef idx="1">
-                <a:schemeClr val="dk1"/>
-              </a:fillRef>
-              <a:effectRef idx="0">
-                <a:schemeClr val="dk1"/>
-              </a:effectRef>
-              <a:fontRef idx="minor">
-                <a:schemeClr val="lt1"/>
-              </a:fontRef>
-            </p:style>
-            <p:txBody>
-              <a:bodyPr rtlCol="0" anchor="t"/>
-              <a:lstStyle/>
-              <a:p>
-                <a:pPr marL="342900" indent="-342900" algn="ctr">
-                  <a:buAutoNum type="arabicPeriod"/>
-                </a:pPr>
-                <a:endParaRPr lang="en-US" altLang="ko-KR" dirty="0" smtClean="0"/>
-              </a:p>
-              <a:p>
-                <a:pPr marL="342900" indent="-342900" algn="ctr">
-                  <a:buAutoNum type="arabicPeriod"/>
-                </a:pPr>
-                <a:endParaRPr lang="en-US" altLang="ko-KR" dirty="0"/>
-              </a:p>
-              <a:p>
-                <a:pPr algn="ctr"/>
-                <a:r>
-                  <a:rPr lang="ko-KR" altLang="en-US" dirty="0" smtClean="0"/>
-                  <a:t>고객님의 계좌번호 열 네 자리를 입력하세요</a:t>
-                </a:r>
-                <a:endParaRPr lang="en-US" altLang="ko-KR" dirty="0" smtClean="0"/>
-              </a:p>
-              <a:p>
-                <a:pPr algn="ctr"/>
-                <a:r>
-                  <a:rPr lang="en-US" altLang="ko-KR" dirty="0" smtClean="0"/>
-                  <a:t>123 456 789 123 45</a:t>
-                </a:r>
-              </a:p>
-            </p:txBody>
-          </p:sp>
-          <p:sp>
-            <p:nvSpPr>
-              <p:cNvPr id="5" name="직사각형 4"/>
-              <p:cNvSpPr/>
-              <p:nvPr/>
-            </p:nvSpPr>
-            <p:spPr>
-              <a:xfrm>
-                <a:off x="1296537" y="721092"/>
-                <a:ext cx="9908275" cy="313899"/>
-              </a:xfrm>
-              <a:prstGeom prst="rect">
-                <a:avLst/>
-              </a:prstGeom>
-            </p:spPr>
-            <p:style>
-              <a:lnRef idx="2">
-                <a:schemeClr val="accent3">
-                  <a:shade val="50000"/>
-                </a:schemeClr>
-              </a:lnRef>
-              <a:fillRef idx="1">
-                <a:schemeClr val="accent3"/>
-              </a:fillRef>
-              <a:effectRef idx="0">
-                <a:schemeClr val="accent3"/>
-              </a:effectRef>
-              <a:fontRef idx="minor">
-                <a:schemeClr val="lt1"/>
-              </a:fontRef>
-            </p:style>
-            <p:txBody>
-              <a:bodyPr rtlCol="0" anchor="ctr"/>
-              <a:lstStyle/>
-              <a:p>
-                <a:pPr algn="ctr"/>
-                <a:endParaRPr lang="ko-KR" altLang="en-US"/>
-              </a:p>
-            </p:txBody>
-          </p:sp>
-        </p:grpSp>
-        <p:grpSp>
-          <p:nvGrpSpPr>
-            <p:cNvPr id="9" name="그룹 8"/>
-            <p:cNvGrpSpPr/>
-            <p:nvPr/>
-          </p:nvGrpSpPr>
-          <p:grpSpPr>
-            <a:xfrm>
-              <a:off x="10877265" y="754281"/>
-              <a:ext cx="253476" cy="252000"/>
-              <a:chOff x="403229" y="3916409"/>
-              <a:chExt cx="253476" cy="252000"/>
-            </a:xfrm>
-          </p:grpSpPr>
-          <p:sp>
-            <p:nvSpPr>
-              <p:cNvPr id="7" name="순서도: 처리 6"/>
-              <p:cNvSpPr/>
-              <p:nvPr/>
-            </p:nvSpPr>
-            <p:spPr>
-              <a:xfrm>
-                <a:off x="403229" y="3916409"/>
-                <a:ext cx="253476" cy="252000"/>
-              </a:xfrm>
-              <a:prstGeom prst="flowChartProcess">
-                <a:avLst/>
-              </a:prstGeom>
-            </p:spPr>
-            <p:style>
-              <a:lnRef idx="2">
-                <a:schemeClr val="accent3">
-                  <a:shade val="50000"/>
-                </a:schemeClr>
-              </a:lnRef>
-              <a:fillRef idx="1">
-                <a:schemeClr val="accent3"/>
-              </a:fillRef>
-              <a:effectRef idx="0">
-                <a:schemeClr val="accent3"/>
-              </a:effectRef>
-              <a:fontRef idx="minor">
-                <a:schemeClr val="lt1"/>
-              </a:fontRef>
-            </p:style>
-            <p:txBody>
-              <a:bodyPr rtlCol="0" anchor="ctr"/>
-              <a:lstStyle/>
-              <a:p>
-                <a:pPr algn="ctr"/>
-                <a:endParaRPr lang="ko-KR" altLang="en-US"/>
-              </a:p>
-            </p:txBody>
-          </p:sp>
-          <p:sp>
-            <p:nvSpPr>
-              <p:cNvPr id="8" name="곱셈 기호 7"/>
-              <p:cNvSpPr/>
-              <p:nvPr/>
-            </p:nvSpPr>
-            <p:spPr>
-              <a:xfrm>
-                <a:off x="403229" y="3916409"/>
-                <a:ext cx="253476" cy="247523"/>
-              </a:xfrm>
-              <a:prstGeom prst="mathMultiply">
-                <a:avLst/>
-              </a:prstGeom>
-            </p:spPr>
-            <p:style>
-              <a:lnRef idx="2">
-                <a:schemeClr val="dk1"/>
-              </a:lnRef>
-              <a:fillRef idx="1">
-                <a:schemeClr val="lt1"/>
-              </a:fillRef>
-              <a:effectRef idx="0">
-                <a:schemeClr val="dk1"/>
-              </a:effectRef>
-              <a:fontRef idx="minor">
-                <a:schemeClr val="dk1"/>
-              </a:fontRef>
-            </p:style>
-            <p:txBody>
-              <a:bodyPr rtlCol="0" anchor="ctr"/>
-              <a:lstStyle/>
-              <a:p>
-                <a:pPr algn="ctr"/>
-                <a:endParaRPr lang="ko-KR" altLang="en-US"/>
-              </a:p>
-            </p:txBody>
-          </p:sp>
-        </p:grpSp>
-      </p:grpSp>
-      <p:sp>
-        <p:nvSpPr>
-          <p:cNvPr id="12" name="TextBox 11"/>
-          <p:cNvSpPr txBox="1"/>
-          <p:nvPr/>
-        </p:nvSpPr>
-        <p:spPr>
-          <a:xfrm>
-            <a:off x="1213409" y="6205756"/>
-            <a:ext cx="3921266" cy="369332"/>
-          </a:xfrm>
-          <a:prstGeom prst="rect">
-            <a:avLst/>
-          </a:prstGeom>
-          <a:noFill/>
-        </p:spPr>
-        <p:txBody>
-          <a:bodyPr wrap="none" rtlCol="0">
-            <a:spAutoFit/>
-          </a:bodyPr>
-          <a:lstStyle/>
-          <a:p>
-            <a:r>
-              <a:rPr lang="ko-KR" altLang="en-US" dirty="0" smtClean="0"/>
-              <a:t>이체 화면 </a:t>
-            </a:r>
-            <a:r>
-              <a:rPr lang="en-US" altLang="ko-KR" dirty="0" smtClean="0"/>
-              <a:t>1 – </a:t>
-            </a:r>
-            <a:r>
-              <a:rPr lang="ko-KR" altLang="en-US" dirty="0" smtClean="0"/>
-              <a:t>고객의 계좌번호 입력</a:t>
-            </a:r>
-            <a:endParaRPr lang="en-US" altLang="ko-KR" dirty="0" smtClean="0"/>
-          </a:p>
-        </p:txBody>
-      </p:sp>
-      <p:sp>
-        <p:nvSpPr>
-          <p:cNvPr id="13" name="TextBox 12"/>
-          <p:cNvSpPr txBox="1"/>
-          <p:nvPr/>
-        </p:nvSpPr>
-        <p:spPr>
-          <a:xfrm>
-            <a:off x="1213408" y="217003"/>
-            <a:ext cx="2113079" cy="369332"/>
-          </a:xfrm>
-          <a:prstGeom prst="rect">
-            <a:avLst/>
-          </a:prstGeom>
-          <a:noFill/>
-        </p:spPr>
-        <p:txBody>
-          <a:bodyPr wrap="none" rtlCol="0">
-            <a:spAutoFit/>
-          </a:bodyPr>
-          <a:lstStyle/>
-          <a:p>
-            <a:r>
-              <a:rPr lang="ko-KR" altLang="en-US" dirty="0" smtClean="0"/>
-              <a:t>인터페이스 구성도</a:t>
-            </a:r>
-            <a:endParaRPr lang="ko-KR" altLang="en-US" dirty="0"/>
-          </a:p>
-        </p:txBody>
-      </p:sp>
-    </p:spTree>
-    <p:extLst>
-      <p:ext uri="{BB962C8B-B14F-4D97-AF65-F5344CB8AC3E}">
-        <p14:creationId xmlns:p14="http://schemas.microsoft.com/office/powerpoint/2010/main" val="2059456336"/>
-      </p:ext>
-    </p:extLst>
-  </p:cSld>
-  <p:clrMapOvr>
-    <a:masterClrMapping/>
-  </p:clrMapOvr>
-</p:sld>
-</file>
-
-<file path=ppt/slides/slide4.xml><?xml version="1.0" encoding="utf-8"?>
-<p:sld xmlns:a="http://schemas.openxmlformats.org/drawingml/2006/main" xmlns:r="http://schemas.openxmlformats.org/officeDocument/2006/relationships" xmlns:p="http://schemas.openxmlformats.org/presentationml/2006/main">
-  <p:cSld>
-    <p:spTree>
-      <p:nvGrpSpPr>
-        <p:cNvPr id="1" name=""/>
-        <p:cNvGrpSpPr/>
-        <p:nvPr/>
-      </p:nvGrpSpPr>
-      <p:grpSpPr>
-        <a:xfrm>
-          <a:off x="0" y="0"/>
-          <a:ext cx="0" cy="0"/>
-          <a:chOff x="0" y="0"/>
-          <a:chExt cx="0" cy="0"/>
-        </a:xfrm>
-      </p:grpSpPr>
-      <p:grpSp>
-        <p:nvGrpSpPr>
-          <p:cNvPr id="10" name="그룹 9"/>
-          <p:cNvGrpSpPr/>
-          <p:nvPr/>
-        </p:nvGrpSpPr>
-        <p:grpSpPr>
-          <a:xfrm>
-            <a:off x="1213409" y="787594"/>
-            <a:ext cx="9908275" cy="5104263"/>
-            <a:chOff x="1296537" y="721092"/>
-            <a:chExt cx="9908275" cy="5104263"/>
-          </a:xfrm>
-        </p:grpSpPr>
-        <p:grpSp>
-          <p:nvGrpSpPr>
-            <p:cNvPr id="6" name="그룹 5"/>
-            <p:cNvGrpSpPr/>
-            <p:nvPr/>
-          </p:nvGrpSpPr>
-          <p:grpSpPr>
-            <a:xfrm>
-              <a:off x="1296537" y="721092"/>
-              <a:ext cx="9908275" cy="5104263"/>
-              <a:chOff x="1296537" y="721092"/>
-              <a:chExt cx="9908275" cy="5104263"/>
-            </a:xfrm>
-          </p:grpSpPr>
-          <p:sp>
-            <p:nvSpPr>
-              <p:cNvPr id="4" name="직사각형 3"/>
-              <p:cNvSpPr/>
-              <p:nvPr/>
-            </p:nvSpPr>
-            <p:spPr>
-              <a:xfrm>
-                <a:off x="1296537" y="1034991"/>
-                <a:ext cx="9908275" cy="4790364"/>
-              </a:xfrm>
-              <a:prstGeom prst="rect">
-                <a:avLst/>
-              </a:prstGeom>
-            </p:spPr>
-            <p:style>
-              <a:lnRef idx="2">
-                <a:schemeClr val="dk1">
-                  <a:shade val="50000"/>
-                </a:schemeClr>
-              </a:lnRef>
-              <a:fillRef idx="1">
-                <a:schemeClr val="dk1"/>
-              </a:fillRef>
-              <a:effectRef idx="0">
-                <a:schemeClr val="dk1"/>
-              </a:effectRef>
-              <a:fontRef idx="minor">
-                <a:schemeClr val="lt1"/>
-              </a:fontRef>
-            </p:style>
-            <p:txBody>
-              <a:bodyPr rtlCol="0" anchor="t"/>
-              <a:lstStyle/>
-              <a:p>
-                <a:pPr marL="342900" indent="-342900" algn="ctr">
-                  <a:buAutoNum type="arabicPeriod"/>
-                </a:pPr>
-                <a:endParaRPr lang="en-US" altLang="ko-KR" dirty="0" smtClean="0"/>
-              </a:p>
-              <a:p>
-                <a:pPr marL="342900" indent="-342900" algn="ctr">
-                  <a:buAutoNum type="arabicPeriod"/>
-                </a:pPr>
-                <a:endParaRPr lang="en-US" altLang="ko-KR" dirty="0"/>
-              </a:p>
-              <a:p>
-                <a:pPr algn="ctr"/>
-                <a:r>
-                  <a:rPr lang="ko-KR" altLang="en-US" dirty="0" smtClean="0"/>
-                  <a:t>고객님의 계좌번호 열 네 자리를 입력하세요</a:t>
-                </a:r>
-                <a:endParaRPr lang="en-US" altLang="ko-KR" dirty="0" smtClean="0"/>
-              </a:p>
-              <a:p>
-                <a:pPr algn="ctr"/>
-                <a:r>
-                  <a:rPr lang="en-US" altLang="ko-KR" dirty="0" smtClean="0"/>
-                  <a:t>123 456 789 123 45</a:t>
-                </a:r>
-              </a:p>
-              <a:p>
-                <a:pPr algn="ctr"/>
-                <a:endParaRPr lang="en-US" altLang="ko-KR" dirty="0"/>
-              </a:p>
-              <a:p>
-                <a:pPr algn="ctr"/>
-                <a:r>
-                  <a:rPr lang="ko-KR" altLang="en-US" dirty="0" smtClean="0"/>
-                  <a:t>고객님의 계좌 비밀번호 네 자리를 입력하세요</a:t>
-                </a:r>
-                <a:endParaRPr lang="en-US" altLang="ko-KR" dirty="0" smtClean="0"/>
-              </a:p>
-              <a:p>
-                <a:pPr algn="ctr"/>
-                <a:r>
-                  <a:rPr lang="en-US" altLang="ko-KR" dirty="0" smtClean="0"/>
-                  <a:t>****</a:t>
-                </a:r>
-                <a:endParaRPr lang="ko-KR" altLang="en-US" dirty="0"/>
-              </a:p>
-            </p:txBody>
-          </p:sp>
-          <p:sp>
-            <p:nvSpPr>
-              <p:cNvPr id="5" name="직사각형 4"/>
-              <p:cNvSpPr/>
-              <p:nvPr/>
-            </p:nvSpPr>
-            <p:spPr>
-              <a:xfrm>
-                <a:off x="1296537" y="721092"/>
-                <a:ext cx="9908275" cy="313899"/>
-              </a:xfrm>
-              <a:prstGeom prst="rect">
-                <a:avLst/>
-              </a:prstGeom>
-            </p:spPr>
-            <p:style>
-              <a:lnRef idx="2">
-                <a:schemeClr val="accent3">
-                  <a:shade val="50000"/>
-                </a:schemeClr>
-              </a:lnRef>
-              <a:fillRef idx="1">
-                <a:schemeClr val="accent3"/>
-              </a:fillRef>
-              <a:effectRef idx="0">
-                <a:schemeClr val="accent3"/>
-              </a:effectRef>
-              <a:fontRef idx="minor">
-                <a:schemeClr val="lt1"/>
-              </a:fontRef>
-            </p:style>
-            <p:txBody>
-              <a:bodyPr rtlCol="0" anchor="ctr"/>
-              <a:lstStyle/>
-              <a:p>
-                <a:pPr algn="ctr"/>
-                <a:endParaRPr lang="ko-KR" altLang="en-US"/>
-              </a:p>
-            </p:txBody>
-          </p:sp>
-        </p:grpSp>
-        <p:grpSp>
-          <p:nvGrpSpPr>
-            <p:cNvPr id="9" name="그룹 8"/>
-            <p:cNvGrpSpPr/>
-            <p:nvPr/>
-          </p:nvGrpSpPr>
-          <p:grpSpPr>
-            <a:xfrm>
-              <a:off x="10877265" y="754281"/>
-              <a:ext cx="253476" cy="252000"/>
-              <a:chOff x="403229" y="3916409"/>
-              <a:chExt cx="253476" cy="252000"/>
-            </a:xfrm>
-          </p:grpSpPr>
-          <p:sp>
-            <p:nvSpPr>
-              <p:cNvPr id="7" name="순서도: 처리 6"/>
-              <p:cNvSpPr/>
-              <p:nvPr/>
-            </p:nvSpPr>
-            <p:spPr>
-              <a:xfrm>
-                <a:off x="403229" y="3916409"/>
-                <a:ext cx="253476" cy="252000"/>
-              </a:xfrm>
-              <a:prstGeom prst="flowChartProcess">
-                <a:avLst/>
-              </a:prstGeom>
-            </p:spPr>
-            <p:style>
-              <a:lnRef idx="2">
-                <a:schemeClr val="accent3">
-                  <a:shade val="50000"/>
-                </a:schemeClr>
-              </a:lnRef>
-              <a:fillRef idx="1">
-                <a:schemeClr val="accent3"/>
-              </a:fillRef>
-              <a:effectRef idx="0">
-                <a:schemeClr val="accent3"/>
-              </a:effectRef>
-              <a:fontRef idx="minor">
-                <a:schemeClr val="lt1"/>
-              </a:fontRef>
-            </p:style>
-            <p:txBody>
-              <a:bodyPr rtlCol="0" anchor="ctr"/>
-              <a:lstStyle/>
-              <a:p>
-                <a:pPr algn="ctr"/>
-                <a:endParaRPr lang="ko-KR" altLang="en-US"/>
-              </a:p>
-            </p:txBody>
-          </p:sp>
-          <p:sp>
-            <p:nvSpPr>
-              <p:cNvPr id="8" name="곱셈 기호 7"/>
-              <p:cNvSpPr/>
-              <p:nvPr/>
-            </p:nvSpPr>
-            <p:spPr>
-              <a:xfrm>
-                <a:off x="403229" y="3916409"/>
-                <a:ext cx="253476" cy="247523"/>
-              </a:xfrm>
-              <a:prstGeom prst="mathMultiply">
-                <a:avLst/>
-              </a:prstGeom>
-            </p:spPr>
-            <p:style>
-              <a:lnRef idx="2">
-                <a:schemeClr val="dk1"/>
-              </a:lnRef>
-              <a:fillRef idx="1">
-                <a:schemeClr val="lt1"/>
-              </a:fillRef>
-              <a:effectRef idx="0">
-                <a:schemeClr val="dk1"/>
-              </a:effectRef>
-              <a:fontRef idx="minor">
-                <a:schemeClr val="dk1"/>
-              </a:fontRef>
-            </p:style>
-            <p:txBody>
-              <a:bodyPr rtlCol="0" anchor="ctr"/>
-              <a:lstStyle/>
-              <a:p>
-                <a:pPr algn="ctr"/>
-                <a:endParaRPr lang="ko-KR" altLang="en-US"/>
-              </a:p>
-            </p:txBody>
-          </p:sp>
-        </p:grpSp>
-      </p:grpSp>
-      <p:sp>
-        <p:nvSpPr>
-          <p:cNvPr id="12" name="TextBox 11"/>
-          <p:cNvSpPr txBox="1"/>
-          <p:nvPr/>
-        </p:nvSpPr>
-        <p:spPr>
-          <a:xfrm>
-            <a:off x="1213409" y="6205756"/>
-            <a:ext cx="4464684" cy="369332"/>
-          </a:xfrm>
-          <a:prstGeom prst="rect">
-            <a:avLst/>
-          </a:prstGeom>
-          <a:noFill/>
-        </p:spPr>
-        <p:txBody>
-          <a:bodyPr wrap="none" rtlCol="0">
-            <a:spAutoFit/>
-          </a:bodyPr>
-          <a:lstStyle/>
-          <a:p>
-            <a:r>
-              <a:rPr lang="ko-KR" altLang="en-US" dirty="0" smtClean="0"/>
-              <a:t>이체 화면 </a:t>
-            </a:r>
-            <a:r>
-              <a:rPr lang="en-US" altLang="ko-KR" dirty="0" smtClean="0"/>
-              <a:t>2 – </a:t>
-            </a:r>
-            <a:r>
-              <a:rPr lang="ko-KR" altLang="en-US" dirty="0" smtClean="0"/>
-              <a:t>고객의 계좌 비밀번호 입력</a:t>
-            </a:r>
-            <a:endParaRPr lang="en-US" altLang="ko-KR" dirty="0" smtClean="0"/>
-          </a:p>
-        </p:txBody>
-      </p:sp>
-      <p:sp>
-        <p:nvSpPr>
-          <p:cNvPr id="13" name="TextBox 12"/>
-          <p:cNvSpPr txBox="1"/>
-          <p:nvPr/>
-        </p:nvSpPr>
-        <p:spPr>
-          <a:xfrm>
-            <a:off x="1213408" y="217003"/>
-            <a:ext cx="2113079" cy="369332"/>
-          </a:xfrm>
-          <a:prstGeom prst="rect">
-            <a:avLst/>
-          </a:prstGeom>
-          <a:noFill/>
-        </p:spPr>
-        <p:txBody>
-          <a:bodyPr wrap="none" rtlCol="0">
-            <a:spAutoFit/>
-          </a:bodyPr>
-          <a:lstStyle/>
-          <a:p>
-            <a:r>
-              <a:rPr lang="ko-KR" altLang="en-US" dirty="0" smtClean="0"/>
-              <a:t>인터페이스 구성도</a:t>
-            </a:r>
-            <a:endParaRPr lang="ko-KR" altLang="en-US" dirty="0"/>
-          </a:p>
-        </p:txBody>
-      </p:sp>
-    </p:spTree>
-    <p:extLst>
-      <p:ext uri="{BB962C8B-B14F-4D97-AF65-F5344CB8AC3E}">
-        <p14:creationId xmlns:p14="http://schemas.microsoft.com/office/powerpoint/2010/main" val="1192913606"/>
-      </p:ext>
-    </p:extLst>
-  </p:cSld>
-  <p:clrMapOvr>
-    <a:masterClrMapping/>
-  </p:clrMapOvr>
-</p:sld>
-</file>
-
-<file path=ppt/slides/slide5.xml><?xml version="1.0" encoding="utf-8"?>
-<p:sld xmlns:a="http://schemas.openxmlformats.org/drawingml/2006/main" xmlns:r="http://schemas.openxmlformats.org/officeDocument/2006/relationships" xmlns:p="http://schemas.openxmlformats.org/presentationml/2006/main">
-  <p:cSld>
-    <p:spTree>
-      <p:nvGrpSpPr>
-        <p:cNvPr id="1" name=""/>
-        <p:cNvGrpSpPr/>
-        <p:nvPr/>
-      </p:nvGrpSpPr>
-      <p:grpSpPr>
-        <a:xfrm>
-          <a:off x="0" y="0"/>
-          <a:ext cx="0" cy="0"/>
-          <a:chOff x="0" y="0"/>
-          <a:chExt cx="0" cy="0"/>
-        </a:xfrm>
-      </p:grpSpPr>
-      <p:grpSp>
-        <p:nvGrpSpPr>
-          <p:cNvPr id="10" name="그룹 9"/>
-          <p:cNvGrpSpPr/>
-          <p:nvPr/>
-        </p:nvGrpSpPr>
-        <p:grpSpPr>
-          <a:xfrm>
-            <a:off x="1213409" y="787594"/>
-            <a:ext cx="9908275" cy="5104263"/>
-            <a:chOff x="1296537" y="721092"/>
-            <a:chExt cx="9908275" cy="5104263"/>
-          </a:xfrm>
-        </p:grpSpPr>
-        <p:grpSp>
-          <p:nvGrpSpPr>
-            <p:cNvPr id="6" name="그룹 5"/>
-            <p:cNvGrpSpPr/>
-            <p:nvPr/>
-          </p:nvGrpSpPr>
-          <p:grpSpPr>
-            <a:xfrm>
-              <a:off x="1296537" y="721092"/>
-              <a:ext cx="9908275" cy="5104263"/>
-              <a:chOff x="1296537" y="721092"/>
-              <a:chExt cx="9908275" cy="5104263"/>
-            </a:xfrm>
-          </p:grpSpPr>
-          <p:sp>
-            <p:nvSpPr>
-              <p:cNvPr id="4" name="직사각형 3"/>
-              <p:cNvSpPr/>
-              <p:nvPr/>
-            </p:nvSpPr>
-            <p:spPr>
-              <a:xfrm>
-                <a:off x="1296537" y="1034991"/>
-                <a:ext cx="9908275" cy="4790364"/>
-              </a:xfrm>
-              <a:prstGeom prst="rect">
-                <a:avLst/>
-              </a:prstGeom>
-            </p:spPr>
-            <p:style>
-              <a:lnRef idx="2">
-                <a:schemeClr val="dk1">
-                  <a:shade val="50000"/>
-                </a:schemeClr>
-              </a:lnRef>
-              <a:fillRef idx="1">
-                <a:schemeClr val="dk1"/>
-              </a:fillRef>
-              <a:effectRef idx="0">
-                <a:schemeClr val="dk1"/>
-              </a:effectRef>
-              <a:fontRef idx="minor">
-                <a:schemeClr val="lt1"/>
-              </a:fontRef>
-            </p:style>
-            <p:txBody>
-              <a:bodyPr rtlCol="0" anchor="t"/>
-              <a:lstStyle/>
-              <a:p>
-                <a:pPr marL="342900" indent="-342900" algn="ctr">
-                  <a:buAutoNum type="arabicPeriod"/>
-                </a:pPr>
-                <a:endParaRPr lang="en-US" altLang="ko-KR" dirty="0" smtClean="0"/>
-              </a:p>
-              <a:p>
-                <a:pPr marL="342900" indent="-342900" algn="ctr">
-                  <a:buAutoNum type="arabicPeriod"/>
-                </a:pPr>
-                <a:endParaRPr lang="en-US" altLang="ko-KR" dirty="0"/>
-              </a:p>
-              <a:p>
-                <a:pPr algn="ctr"/>
-                <a:r>
-                  <a:rPr lang="ko-KR" altLang="en-US" dirty="0" smtClean="0"/>
-                  <a:t>고객님의 계좌번호 열 네 자리를 입력하세요</a:t>
-                </a:r>
-                <a:endParaRPr lang="en-US" altLang="ko-KR" dirty="0" smtClean="0"/>
-              </a:p>
-              <a:p>
-                <a:pPr algn="ctr"/>
-                <a:r>
-                  <a:rPr lang="en-US" altLang="ko-KR" dirty="0" smtClean="0"/>
-                  <a:t>123 456 789 123 45</a:t>
-                </a:r>
-              </a:p>
-              <a:p>
-                <a:pPr algn="ctr"/>
-                <a:endParaRPr lang="en-US" altLang="ko-KR" dirty="0"/>
-              </a:p>
-              <a:p>
-                <a:pPr algn="ctr"/>
-                <a:r>
-                  <a:rPr lang="ko-KR" altLang="en-US" dirty="0" smtClean="0"/>
-                  <a:t>고객님의 계좌 비밀번호 네 자리를 입력하세요</a:t>
-                </a:r>
-                <a:endParaRPr lang="en-US" altLang="ko-KR" dirty="0" smtClean="0"/>
-              </a:p>
-              <a:p>
-                <a:pPr algn="ctr"/>
-                <a:r>
-                  <a:rPr lang="en-US" altLang="ko-KR" dirty="0" smtClean="0"/>
-                  <a:t>****</a:t>
-                </a:r>
-              </a:p>
-              <a:p>
-                <a:pPr algn="ctr"/>
-                <a:endParaRPr lang="en-US" altLang="ko-KR" dirty="0"/>
-              </a:p>
-              <a:p>
-                <a:pPr algn="ctr"/>
-                <a:r>
-                  <a:rPr lang="ko-KR" altLang="en-US" dirty="0" smtClean="0"/>
-                  <a:t>송금하실 금액을 입력하세요</a:t>
-                </a:r>
-                <a:endParaRPr lang="en-US" altLang="ko-KR" dirty="0" smtClean="0"/>
-              </a:p>
-              <a:p>
-                <a:pPr algn="ctr"/>
-                <a:r>
-                  <a:rPr lang="en-US" altLang="ko-KR" dirty="0" smtClean="0"/>
-                  <a:t>50,000\</a:t>
-                </a:r>
-                <a:endParaRPr lang="ko-KR" altLang="en-US" dirty="0"/>
-              </a:p>
-            </p:txBody>
-          </p:sp>
-          <p:sp>
-            <p:nvSpPr>
-              <p:cNvPr id="5" name="직사각형 4"/>
-              <p:cNvSpPr/>
-              <p:nvPr/>
-            </p:nvSpPr>
-            <p:spPr>
-              <a:xfrm>
-                <a:off x="1296537" y="721092"/>
-                <a:ext cx="9908275" cy="313899"/>
-              </a:xfrm>
-              <a:prstGeom prst="rect">
-                <a:avLst/>
-              </a:prstGeom>
-            </p:spPr>
-            <p:style>
-              <a:lnRef idx="2">
-                <a:schemeClr val="accent3">
-                  <a:shade val="50000"/>
-                </a:schemeClr>
-              </a:lnRef>
-              <a:fillRef idx="1">
-                <a:schemeClr val="accent3"/>
-              </a:fillRef>
-              <a:effectRef idx="0">
-                <a:schemeClr val="accent3"/>
-              </a:effectRef>
-              <a:fontRef idx="minor">
-                <a:schemeClr val="lt1"/>
-              </a:fontRef>
-            </p:style>
-            <p:txBody>
-              <a:bodyPr rtlCol="0" anchor="ctr"/>
-              <a:lstStyle/>
-              <a:p>
-                <a:pPr algn="ctr"/>
-                <a:endParaRPr lang="ko-KR" altLang="en-US"/>
-              </a:p>
-            </p:txBody>
-          </p:sp>
-        </p:grpSp>
-        <p:grpSp>
-          <p:nvGrpSpPr>
-            <p:cNvPr id="9" name="그룹 8"/>
-            <p:cNvGrpSpPr/>
-            <p:nvPr/>
-          </p:nvGrpSpPr>
-          <p:grpSpPr>
-            <a:xfrm>
-              <a:off x="10877265" y="754281"/>
-              <a:ext cx="253476" cy="252000"/>
-              <a:chOff x="403229" y="3916409"/>
-              <a:chExt cx="253476" cy="252000"/>
-            </a:xfrm>
-          </p:grpSpPr>
-          <p:sp>
-            <p:nvSpPr>
-              <p:cNvPr id="7" name="순서도: 처리 6"/>
-              <p:cNvSpPr/>
-              <p:nvPr/>
-            </p:nvSpPr>
-            <p:spPr>
-              <a:xfrm>
-                <a:off x="403229" y="3916409"/>
-                <a:ext cx="253476" cy="252000"/>
-              </a:xfrm>
-              <a:prstGeom prst="flowChartProcess">
-                <a:avLst/>
-              </a:prstGeom>
-            </p:spPr>
-            <p:style>
-              <a:lnRef idx="2">
-                <a:schemeClr val="accent3">
-                  <a:shade val="50000"/>
-                </a:schemeClr>
-              </a:lnRef>
-              <a:fillRef idx="1">
-                <a:schemeClr val="accent3"/>
-              </a:fillRef>
-              <a:effectRef idx="0">
-                <a:schemeClr val="accent3"/>
-              </a:effectRef>
-              <a:fontRef idx="minor">
-                <a:schemeClr val="lt1"/>
-              </a:fontRef>
-            </p:style>
-            <p:txBody>
-              <a:bodyPr rtlCol="0" anchor="ctr"/>
-              <a:lstStyle/>
-              <a:p>
-                <a:pPr algn="ctr"/>
-                <a:endParaRPr lang="ko-KR" altLang="en-US"/>
-              </a:p>
-            </p:txBody>
-          </p:sp>
-          <p:sp>
-            <p:nvSpPr>
-              <p:cNvPr id="8" name="곱셈 기호 7"/>
-              <p:cNvSpPr/>
-              <p:nvPr/>
-            </p:nvSpPr>
-            <p:spPr>
-              <a:xfrm>
-                <a:off x="403229" y="3916409"/>
-                <a:ext cx="253476" cy="247523"/>
-              </a:xfrm>
-              <a:prstGeom prst="mathMultiply">
-                <a:avLst/>
-              </a:prstGeom>
-            </p:spPr>
-            <p:style>
-              <a:lnRef idx="2">
-                <a:schemeClr val="dk1"/>
-              </a:lnRef>
-              <a:fillRef idx="1">
-                <a:schemeClr val="lt1"/>
-              </a:fillRef>
-              <a:effectRef idx="0">
-                <a:schemeClr val="dk1"/>
-              </a:effectRef>
-              <a:fontRef idx="minor">
-                <a:schemeClr val="dk1"/>
-              </a:fontRef>
-            </p:style>
-            <p:txBody>
-              <a:bodyPr rtlCol="0" anchor="ctr"/>
-              <a:lstStyle/>
-              <a:p>
-                <a:pPr algn="ctr"/>
-                <a:endParaRPr lang="ko-KR" altLang="en-US"/>
-              </a:p>
-            </p:txBody>
-          </p:sp>
-        </p:grpSp>
-      </p:grpSp>
-      <p:sp>
-        <p:nvSpPr>
-          <p:cNvPr id="12" name="TextBox 11"/>
-          <p:cNvSpPr txBox="1"/>
-          <p:nvPr/>
-        </p:nvSpPr>
-        <p:spPr>
-          <a:xfrm>
-            <a:off x="1213409" y="6205756"/>
-            <a:ext cx="3228769" cy="369332"/>
-          </a:xfrm>
-          <a:prstGeom prst="rect">
-            <a:avLst/>
-          </a:prstGeom>
-          <a:noFill/>
-        </p:spPr>
-        <p:txBody>
-          <a:bodyPr wrap="none" rtlCol="0">
-            <a:spAutoFit/>
-          </a:bodyPr>
-          <a:lstStyle/>
-          <a:p>
-            <a:r>
-              <a:rPr lang="ko-KR" altLang="en-US" dirty="0" smtClean="0"/>
-              <a:t>이체 화면 </a:t>
-            </a:r>
-            <a:r>
-              <a:rPr lang="en-US" altLang="ko-KR" dirty="0" smtClean="0"/>
-              <a:t>3 – </a:t>
-            </a:r>
-            <a:r>
-              <a:rPr lang="ko-KR" altLang="en-US" dirty="0" smtClean="0"/>
-              <a:t>이체 금액 입력</a:t>
-            </a:r>
-            <a:endParaRPr lang="en-US" altLang="ko-KR" dirty="0" smtClean="0"/>
-          </a:p>
-        </p:txBody>
-      </p:sp>
-      <p:sp>
-        <p:nvSpPr>
-          <p:cNvPr id="13" name="TextBox 12"/>
-          <p:cNvSpPr txBox="1"/>
-          <p:nvPr/>
-        </p:nvSpPr>
-        <p:spPr>
-          <a:xfrm>
-            <a:off x="1213408" y="217003"/>
-            <a:ext cx="2113079" cy="369332"/>
-          </a:xfrm>
-          <a:prstGeom prst="rect">
-            <a:avLst/>
-          </a:prstGeom>
-          <a:noFill/>
-        </p:spPr>
-        <p:txBody>
-          <a:bodyPr wrap="none" rtlCol="0">
-            <a:spAutoFit/>
-          </a:bodyPr>
-          <a:lstStyle/>
-          <a:p>
-            <a:r>
-              <a:rPr lang="ko-KR" altLang="en-US" dirty="0" smtClean="0"/>
-              <a:t>인터페이스 구성도</a:t>
-            </a:r>
-            <a:endParaRPr lang="ko-KR" altLang="en-US" dirty="0"/>
-          </a:p>
-        </p:txBody>
-      </p:sp>
-    </p:spTree>
-    <p:extLst>
-      <p:ext uri="{BB962C8B-B14F-4D97-AF65-F5344CB8AC3E}">
-        <p14:creationId xmlns:p14="http://schemas.microsoft.com/office/powerpoint/2010/main" val="1607846225"/>
-      </p:ext>
-    </p:extLst>
-  </p:cSld>
-  <p:clrMapOvr>
-    <a:masterClrMapping/>
-  </p:clrMapOvr>
-</p:sld>
-</file>
-
-<file path=ppt/slides/slide6.xml><?xml version="1.0" encoding="utf-8"?>
-<p:sld xmlns:a="http://schemas.openxmlformats.org/drawingml/2006/main" xmlns:r="http://schemas.openxmlformats.org/officeDocument/2006/relationships" xmlns:p="http://schemas.openxmlformats.org/presentationml/2006/main">
-  <p:cSld>
-    <p:spTree>
-      <p:nvGrpSpPr>
-        <p:cNvPr id="1" name=""/>
-        <p:cNvGrpSpPr/>
-        <p:nvPr/>
-      </p:nvGrpSpPr>
-      <p:grpSpPr>
-        <a:xfrm>
-          <a:off x="0" y="0"/>
-          <a:ext cx="0" cy="0"/>
-          <a:chOff x="0" y="0"/>
-          <a:chExt cx="0" cy="0"/>
-        </a:xfrm>
-      </p:grpSpPr>
-      <p:grpSp>
-        <p:nvGrpSpPr>
-          <p:cNvPr id="10" name="그룹 9"/>
-          <p:cNvGrpSpPr/>
-          <p:nvPr/>
-        </p:nvGrpSpPr>
-        <p:grpSpPr>
-          <a:xfrm>
-            <a:off x="1213409" y="787594"/>
-            <a:ext cx="9908275" cy="5104263"/>
-            <a:chOff x="1296537" y="721092"/>
-            <a:chExt cx="9908275" cy="5104263"/>
-          </a:xfrm>
-        </p:grpSpPr>
-        <p:grpSp>
-          <p:nvGrpSpPr>
-            <p:cNvPr id="6" name="그룹 5"/>
-            <p:cNvGrpSpPr/>
-            <p:nvPr/>
-          </p:nvGrpSpPr>
-          <p:grpSpPr>
-            <a:xfrm>
-              <a:off x="1296537" y="721092"/>
-              <a:ext cx="9908275" cy="5104263"/>
-              <a:chOff x="1296537" y="721092"/>
-              <a:chExt cx="9908275" cy="5104263"/>
-            </a:xfrm>
-          </p:grpSpPr>
-          <p:sp>
-            <p:nvSpPr>
-              <p:cNvPr id="4" name="직사각형 3"/>
-              <p:cNvSpPr/>
-              <p:nvPr/>
-            </p:nvSpPr>
-            <p:spPr>
-              <a:xfrm>
-                <a:off x="1296537" y="1034991"/>
-                <a:ext cx="9908275" cy="4790364"/>
-              </a:xfrm>
-              <a:prstGeom prst="rect">
-                <a:avLst/>
-              </a:prstGeom>
-            </p:spPr>
-            <p:style>
-              <a:lnRef idx="2">
-                <a:schemeClr val="dk1">
-                  <a:shade val="50000"/>
-                </a:schemeClr>
-              </a:lnRef>
-              <a:fillRef idx="1">
-                <a:schemeClr val="dk1"/>
-              </a:fillRef>
-              <a:effectRef idx="0">
-                <a:schemeClr val="dk1"/>
-              </a:effectRef>
-              <a:fontRef idx="minor">
-                <a:schemeClr val="lt1"/>
-              </a:fontRef>
-            </p:style>
-            <p:txBody>
-              <a:bodyPr rtlCol="0" anchor="t"/>
-              <a:lstStyle/>
-              <a:p>
-                <a:pPr marL="342900" indent="-342900" algn="ctr">
-                  <a:buAutoNum type="arabicPeriod"/>
-                </a:pPr>
-                <a:endParaRPr lang="en-US" altLang="ko-KR" dirty="0" smtClean="0"/>
-              </a:p>
-              <a:p>
-                <a:pPr marL="342900" indent="-342900" algn="ctr">
-                  <a:buAutoNum type="arabicPeriod"/>
-                </a:pPr>
-                <a:endParaRPr lang="en-US" altLang="ko-KR" dirty="0"/>
-              </a:p>
-              <a:p>
-                <a:pPr algn="ctr"/>
-                <a:r>
-                  <a:rPr lang="ko-KR" altLang="en-US" dirty="0" smtClean="0"/>
-                  <a:t>고객님의 계좌번호 열 네 자리를 입력하세요</a:t>
-                </a:r>
-                <a:endParaRPr lang="en-US" altLang="ko-KR" dirty="0" smtClean="0"/>
-              </a:p>
-              <a:p>
-                <a:pPr algn="ctr"/>
-                <a:r>
-                  <a:rPr lang="en-US" altLang="ko-KR" dirty="0" smtClean="0"/>
-                  <a:t>123 456 789 123 45</a:t>
-                </a:r>
-              </a:p>
-              <a:p>
-                <a:pPr algn="ctr"/>
-                <a:endParaRPr lang="en-US" altLang="ko-KR" dirty="0"/>
-              </a:p>
-              <a:p>
-                <a:pPr algn="ctr"/>
-                <a:r>
-                  <a:rPr lang="ko-KR" altLang="en-US" dirty="0" smtClean="0"/>
-                  <a:t>고객님의 계좌 비밀번호 네 자리를 입력하세요</a:t>
-                </a:r>
-                <a:endParaRPr lang="en-US" altLang="ko-KR" dirty="0" smtClean="0"/>
-              </a:p>
-              <a:p>
-                <a:pPr algn="ctr"/>
-                <a:r>
-                  <a:rPr lang="en-US" altLang="ko-KR" dirty="0" smtClean="0"/>
-                  <a:t>****</a:t>
-                </a:r>
-              </a:p>
-              <a:p>
-                <a:pPr algn="ctr"/>
-                <a:endParaRPr lang="en-US" altLang="ko-KR" dirty="0"/>
-              </a:p>
-              <a:p>
-                <a:pPr algn="ctr"/>
-                <a:r>
-                  <a:rPr lang="ko-KR" altLang="en-US" dirty="0" smtClean="0"/>
-                  <a:t>송금하실 금액을 입력하세요</a:t>
-                </a:r>
-                <a:endParaRPr lang="en-US" altLang="ko-KR" dirty="0" smtClean="0"/>
-              </a:p>
-              <a:p>
-                <a:pPr algn="ctr"/>
-                <a:r>
-                  <a:rPr lang="en-US" altLang="ko-KR" dirty="0" smtClean="0"/>
-                  <a:t>50,000\</a:t>
-                </a:r>
-              </a:p>
-              <a:p>
-                <a:pPr algn="ctr"/>
-                <a:endParaRPr lang="en-US" altLang="ko-KR" dirty="0"/>
-              </a:p>
-              <a:p>
-                <a:pPr algn="ctr"/>
-                <a:r>
-                  <a:rPr lang="ko-KR" altLang="en-US" dirty="0" smtClean="0"/>
-                  <a:t>이체 받을 계좌의 계좌번호 열 네 자리를 입력하세요</a:t>
-                </a:r>
-                <a:endParaRPr lang="en-US" altLang="ko-KR" dirty="0" smtClean="0"/>
-              </a:p>
-              <a:p>
-                <a:pPr algn="ctr"/>
-                <a:r>
-                  <a:rPr lang="en-US" altLang="ko-KR" dirty="0" smtClean="0"/>
-                  <a:t>123 123 123 123 12</a:t>
-                </a:r>
-                <a:endParaRPr lang="ko-KR" altLang="en-US" dirty="0"/>
-              </a:p>
-            </p:txBody>
-          </p:sp>
-          <p:sp>
-            <p:nvSpPr>
-              <p:cNvPr id="5" name="직사각형 4"/>
-              <p:cNvSpPr/>
-              <p:nvPr/>
-            </p:nvSpPr>
-            <p:spPr>
-              <a:xfrm>
-                <a:off x="1296537" y="721092"/>
-                <a:ext cx="9908275" cy="313899"/>
-              </a:xfrm>
-              <a:prstGeom prst="rect">
-                <a:avLst/>
-              </a:prstGeom>
-            </p:spPr>
-            <p:style>
-              <a:lnRef idx="2">
-                <a:schemeClr val="accent3">
-                  <a:shade val="50000"/>
-                </a:schemeClr>
-              </a:lnRef>
-              <a:fillRef idx="1">
-                <a:schemeClr val="accent3"/>
-              </a:fillRef>
-              <a:effectRef idx="0">
-                <a:schemeClr val="accent3"/>
-              </a:effectRef>
-              <a:fontRef idx="minor">
-                <a:schemeClr val="lt1"/>
-              </a:fontRef>
-            </p:style>
-            <p:txBody>
-              <a:bodyPr rtlCol="0" anchor="ctr"/>
-              <a:lstStyle/>
-              <a:p>
-                <a:pPr algn="ctr"/>
-                <a:endParaRPr lang="ko-KR" altLang="en-US"/>
-              </a:p>
-            </p:txBody>
-          </p:sp>
-        </p:grpSp>
-        <p:grpSp>
-          <p:nvGrpSpPr>
-            <p:cNvPr id="9" name="그룹 8"/>
-            <p:cNvGrpSpPr/>
-            <p:nvPr/>
-          </p:nvGrpSpPr>
-          <p:grpSpPr>
-            <a:xfrm>
-              <a:off x="10877265" y="754281"/>
-              <a:ext cx="253476" cy="252000"/>
-              <a:chOff x="403229" y="3916409"/>
-              <a:chExt cx="253476" cy="252000"/>
-            </a:xfrm>
-          </p:grpSpPr>
-          <p:sp>
-            <p:nvSpPr>
-              <p:cNvPr id="7" name="순서도: 처리 6"/>
-              <p:cNvSpPr/>
-              <p:nvPr/>
-            </p:nvSpPr>
-            <p:spPr>
-              <a:xfrm>
-                <a:off x="403229" y="3916409"/>
-                <a:ext cx="253476" cy="252000"/>
-              </a:xfrm>
-              <a:prstGeom prst="flowChartProcess">
-                <a:avLst/>
-              </a:prstGeom>
-            </p:spPr>
-            <p:style>
-              <a:lnRef idx="2">
-                <a:schemeClr val="accent3">
-                  <a:shade val="50000"/>
-                </a:schemeClr>
-              </a:lnRef>
-              <a:fillRef idx="1">
-                <a:schemeClr val="accent3"/>
-              </a:fillRef>
-              <a:effectRef idx="0">
-                <a:schemeClr val="accent3"/>
-              </a:effectRef>
-              <a:fontRef idx="minor">
-                <a:schemeClr val="lt1"/>
-              </a:fontRef>
-            </p:style>
-            <p:txBody>
-              <a:bodyPr rtlCol="0" anchor="ctr"/>
-              <a:lstStyle/>
-              <a:p>
-                <a:pPr algn="ctr"/>
-                <a:endParaRPr lang="ko-KR" altLang="en-US"/>
-              </a:p>
-            </p:txBody>
-          </p:sp>
-          <p:sp>
-            <p:nvSpPr>
-              <p:cNvPr id="8" name="곱셈 기호 7"/>
-              <p:cNvSpPr/>
-              <p:nvPr/>
-            </p:nvSpPr>
-            <p:spPr>
-              <a:xfrm>
-                <a:off x="403229" y="3916409"/>
-                <a:ext cx="253476" cy="247523"/>
-              </a:xfrm>
-              <a:prstGeom prst="mathMultiply">
-                <a:avLst/>
-              </a:prstGeom>
-            </p:spPr>
-            <p:style>
-              <a:lnRef idx="2">
-                <a:schemeClr val="dk1"/>
-              </a:lnRef>
-              <a:fillRef idx="1">
-                <a:schemeClr val="lt1"/>
-              </a:fillRef>
-              <a:effectRef idx="0">
-                <a:schemeClr val="dk1"/>
-              </a:effectRef>
-              <a:fontRef idx="minor">
-                <a:schemeClr val="dk1"/>
-              </a:fontRef>
-            </p:style>
-            <p:txBody>
-              <a:bodyPr rtlCol="0" anchor="ctr"/>
-              <a:lstStyle/>
-              <a:p>
-                <a:pPr algn="ctr"/>
-                <a:endParaRPr lang="ko-KR" altLang="en-US"/>
-              </a:p>
-            </p:txBody>
-          </p:sp>
-        </p:grpSp>
-      </p:grpSp>
-      <p:sp>
-        <p:nvSpPr>
-          <p:cNvPr id="12" name="TextBox 11"/>
-          <p:cNvSpPr txBox="1"/>
-          <p:nvPr/>
-        </p:nvSpPr>
-        <p:spPr>
-          <a:xfrm>
-            <a:off x="1213409" y="6205756"/>
-            <a:ext cx="5008102" cy="369332"/>
-          </a:xfrm>
-          <a:prstGeom prst="rect">
-            <a:avLst/>
-          </a:prstGeom>
-          <a:noFill/>
-        </p:spPr>
-        <p:txBody>
-          <a:bodyPr wrap="none" rtlCol="0">
-            <a:spAutoFit/>
-          </a:bodyPr>
-          <a:lstStyle/>
-          <a:p>
-            <a:r>
-              <a:rPr lang="ko-KR" altLang="en-US" dirty="0" smtClean="0"/>
-              <a:t>이체 화면 </a:t>
-            </a:r>
-            <a:r>
-              <a:rPr lang="en-US" altLang="ko-KR" dirty="0" smtClean="0"/>
-              <a:t>4 – </a:t>
-            </a:r>
-            <a:r>
-              <a:rPr lang="ko-KR" altLang="en-US" dirty="0" smtClean="0"/>
-              <a:t>이체 받을 계좌의 계좌번호 입력</a:t>
-            </a:r>
-            <a:endParaRPr lang="ko-KR" altLang="en-US" dirty="0"/>
-          </a:p>
-        </p:txBody>
-      </p:sp>
-      <p:sp>
-        <p:nvSpPr>
-          <p:cNvPr id="13" name="TextBox 12"/>
-          <p:cNvSpPr txBox="1"/>
-          <p:nvPr/>
-        </p:nvSpPr>
-        <p:spPr>
-          <a:xfrm>
-            <a:off x="1213408" y="217003"/>
-            <a:ext cx="2113079" cy="369332"/>
-          </a:xfrm>
-          <a:prstGeom prst="rect">
-            <a:avLst/>
-          </a:prstGeom>
-          <a:noFill/>
-        </p:spPr>
-        <p:txBody>
-          <a:bodyPr wrap="none" rtlCol="0">
-            <a:spAutoFit/>
-          </a:bodyPr>
-          <a:lstStyle/>
-          <a:p>
-            <a:r>
-              <a:rPr lang="ko-KR" altLang="en-US" dirty="0" smtClean="0"/>
-              <a:t>인터페이스 구성도</a:t>
-            </a:r>
-            <a:endParaRPr lang="ko-KR" altLang="en-US" dirty="0"/>
-          </a:p>
-        </p:txBody>
-      </p:sp>
-    </p:spTree>
-    <p:extLst>
-      <p:ext uri="{BB962C8B-B14F-4D97-AF65-F5344CB8AC3E}">
-        <p14:creationId xmlns:p14="http://schemas.microsoft.com/office/powerpoint/2010/main" val="3313135562"/>
-      </p:ext>
-    </p:extLst>
-  </p:cSld>
-  <p:clrMapOvr>
-    <a:masterClrMapping/>
-  </p:clrMapOvr>
-</p:sld>
-</file>
-
-<file path=ppt/slides/slide7.xml><?xml version="1.0" encoding="utf-8"?>
-<p:sld xmlns:a="http://schemas.openxmlformats.org/drawingml/2006/main" xmlns:r="http://schemas.openxmlformats.org/officeDocument/2006/relationships" xmlns:p="http://schemas.openxmlformats.org/presentationml/2006/main">
-  <p:cSld>
-    <p:spTree>
-      <p:nvGrpSpPr>
-        <p:cNvPr id="1" name=""/>
-        <p:cNvGrpSpPr/>
-        <p:nvPr/>
-      </p:nvGrpSpPr>
-      <p:grpSpPr>
-        <a:xfrm>
-          <a:off x="0" y="0"/>
-          <a:ext cx="0" cy="0"/>
-          <a:chOff x="0" y="0"/>
-          <a:chExt cx="0" cy="0"/>
-        </a:xfrm>
-      </p:grpSpPr>
-      <p:grpSp>
-        <p:nvGrpSpPr>
-          <p:cNvPr id="10" name="그룹 9"/>
-          <p:cNvGrpSpPr/>
-          <p:nvPr/>
-        </p:nvGrpSpPr>
-        <p:grpSpPr>
-          <a:xfrm>
-            <a:off x="1213409" y="787594"/>
-            <a:ext cx="9908275" cy="5104263"/>
-            <a:chOff x="1296537" y="721092"/>
-            <a:chExt cx="9908275" cy="5104263"/>
-          </a:xfrm>
-        </p:grpSpPr>
-        <p:grpSp>
-          <p:nvGrpSpPr>
-            <p:cNvPr id="6" name="그룹 5"/>
-            <p:cNvGrpSpPr/>
-            <p:nvPr/>
-          </p:nvGrpSpPr>
-          <p:grpSpPr>
-            <a:xfrm>
-              <a:off x="1296537" y="721092"/>
-              <a:ext cx="9908275" cy="5104263"/>
-              <a:chOff x="1296537" y="721092"/>
-              <a:chExt cx="9908275" cy="5104263"/>
-            </a:xfrm>
-          </p:grpSpPr>
-          <p:sp>
-            <p:nvSpPr>
-              <p:cNvPr id="4" name="직사각형 3"/>
-              <p:cNvSpPr/>
-              <p:nvPr/>
-            </p:nvSpPr>
-            <p:spPr>
-              <a:xfrm>
-                <a:off x="1296537" y="1034991"/>
-                <a:ext cx="9908275" cy="4790364"/>
-              </a:xfrm>
-              <a:prstGeom prst="rect">
-                <a:avLst/>
-              </a:prstGeom>
-            </p:spPr>
-            <p:style>
-              <a:lnRef idx="2">
-                <a:schemeClr val="dk1">
-                  <a:shade val="50000"/>
-                </a:schemeClr>
-              </a:lnRef>
-              <a:fillRef idx="1">
-                <a:schemeClr val="dk1"/>
-              </a:fillRef>
-              <a:effectRef idx="0">
-                <a:schemeClr val="dk1"/>
-              </a:effectRef>
-              <a:fontRef idx="minor">
-                <a:schemeClr val="lt1"/>
-              </a:fontRef>
-            </p:style>
-            <p:txBody>
-              <a:bodyPr rtlCol="0" anchor="t"/>
-              <a:lstStyle/>
-              <a:p>
-                <a:pPr marL="342900" indent="-342900" algn="ctr">
-                  <a:buAutoNum type="arabicPeriod"/>
-                </a:pPr>
-                <a:endParaRPr lang="en-US" altLang="ko-KR" dirty="0" smtClean="0"/>
-              </a:p>
-              <a:p>
                 <a:pPr marL="342900" indent="-342900" algn="ctr">
                   <a:buAutoNum type="arabicPeriod"/>
                 </a:pPr>
@@ -5594,716 +3742,6 @@
     <p:extLst>
       <p:ext uri="{BB962C8B-B14F-4D97-AF65-F5344CB8AC3E}">
         <p14:creationId xmlns:p14="http://schemas.microsoft.com/office/powerpoint/2010/main" val="299004805"/>
-      </p:ext>
-    </p:extLst>
-  </p:cSld>
-  <p:clrMapOvr>
-    <a:masterClrMapping/>
-  </p:clrMapOvr>
-</p:sld>
-</file>
-
-<file path=ppt/slides/slide8.xml><?xml version="1.0" encoding="utf-8"?>
-<p:sld xmlns:a="http://schemas.openxmlformats.org/drawingml/2006/main" xmlns:r="http://schemas.openxmlformats.org/officeDocument/2006/relationships" xmlns:p="http://schemas.openxmlformats.org/presentationml/2006/main">
-  <p:cSld>
-    <p:spTree>
-      <p:nvGrpSpPr>
-        <p:cNvPr id="1" name=""/>
-        <p:cNvGrpSpPr/>
-        <p:nvPr/>
-      </p:nvGrpSpPr>
-      <p:grpSpPr>
-        <a:xfrm>
-          <a:off x="0" y="0"/>
-          <a:ext cx="0" cy="0"/>
-          <a:chOff x="0" y="0"/>
-          <a:chExt cx="0" cy="0"/>
-        </a:xfrm>
-      </p:grpSpPr>
-      <p:grpSp>
-        <p:nvGrpSpPr>
-          <p:cNvPr id="10" name="그룹 9"/>
-          <p:cNvGrpSpPr/>
-          <p:nvPr/>
-        </p:nvGrpSpPr>
-        <p:grpSpPr>
-          <a:xfrm>
-            <a:off x="1213409" y="787594"/>
-            <a:ext cx="9908275" cy="5104263"/>
-            <a:chOff x="1296537" y="721092"/>
-            <a:chExt cx="9908275" cy="5104263"/>
-          </a:xfrm>
-        </p:grpSpPr>
-        <p:grpSp>
-          <p:nvGrpSpPr>
-            <p:cNvPr id="6" name="그룹 5"/>
-            <p:cNvGrpSpPr/>
-            <p:nvPr/>
-          </p:nvGrpSpPr>
-          <p:grpSpPr>
-            <a:xfrm>
-              <a:off x="1296537" y="721092"/>
-              <a:ext cx="9908275" cy="5104263"/>
-              <a:chOff x="1296537" y="721092"/>
-              <a:chExt cx="9908275" cy="5104263"/>
-            </a:xfrm>
-          </p:grpSpPr>
-          <p:sp>
-            <p:nvSpPr>
-              <p:cNvPr id="4" name="직사각형 3"/>
-              <p:cNvSpPr/>
-              <p:nvPr/>
-            </p:nvSpPr>
-            <p:spPr>
-              <a:xfrm>
-                <a:off x="1296537" y="1034991"/>
-                <a:ext cx="9908275" cy="4790364"/>
-              </a:xfrm>
-              <a:prstGeom prst="rect">
-                <a:avLst/>
-              </a:prstGeom>
-            </p:spPr>
-            <p:style>
-              <a:lnRef idx="2">
-                <a:schemeClr val="dk1">
-                  <a:shade val="50000"/>
-                </a:schemeClr>
-              </a:lnRef>
-              <a:fillRef idx="1">
-                <a:schemeClr val="dk1"/>
-              </a:fillRef>
-              <a:effectRef idx="0">
-                <a:schemeClr val="dk1"/>
-              </a:effectRef>
-              <a:fontRef idx="minor">
-                <a:schemeClr val="lt1"/>
-              </a:fontRef>
-            </p:style>
-            <p:txBody>
-              <a:bodyPr rtlCol="0" anchor="t"/>
-              <a:lstStyle/>
-              <a:p>
-                <a:pPr marL="342900" indent="-342900" algn="ctr">
-                  <a:buAutoNum type="arabicPeriod"/>
-                </a:pPr>
-                <a:endParaRPr lang="en-US" altLang="ko-KR" dirty="0" smtClean="0"/>
-              </a:p>
-              <a:p>
-                <a:pPr marL="342900" indent="-342900" algn="ctr">
-                  <a:buAutoNum type="arabicPeriod"/>
-                </a:pPr>
-                <a:endParaRPr lang="en-US" altLang="ko-KR" dirty="0"/>
-              </a:p>
-              <a:p>
-                <a:pPr algn="ctr"/>
-                <a:r>
-                  <a:rPr lang="ko-KR" altLang="en-US" dirty="0" smtClean="0"/>
-                  <a:t>송금이 되었습니다</a:t>
-                </a:r>
-                <a:endParaRPr lang="en-US" altLang="ko-KR" dirty="0" smtClean="0"/>
-              </a:p>
-              <a:p>
-                <a:pPr algn="ctr"/>
-                <a:endParaRPr lang="en-US" altLang="ko-KR" dirty="0"/>
-              </a:p>
-              <a:p>
-                <a:pPr algn="ctr"/>
-                <a:r>
-                  <a:rPr lang="ko-KR" altLang="en-US" dirty="0" smtClean="0"/>
-                  <a:t>송금 수수료</a:t>
-                </a:r>
-                <a:endParaRPr lang="en-US" altLang="ko-KR" dirty="0" smtClean="0"/>
-              </a:p>
-              <a:p>
-                <a:pPr algn="ctr"/>
-                <a:r>
-                  <a:rPr lang="en-US" altLang="ko-KR" dirty="0" smtClean="0"/>
-                  <a:t>0\</a:t>
-                </a:r>
-                <a:endParaRPr lang="en-US" altLang="ko-KR" dirty="0" smtClean="0"/>
-              </a:p>
-              <a:p>
-                <a:pPr algn="ctr"/>
-                <a:endParaRPr lang="en-US" altLang="ko-KR" dirty="0" smtClean="0"/>
-              </a:p>
-              <a:p>
-                <a:pPr algn="ctr"/>
-                <a:r>
-                  <a:rPr lang="en-US" altLang="ko-KR" dirty="0" smtClean="0"/>
-                  <a:t>10</a:t>
-                </a:r>
-                <a:r>
-                  <a:rPr lang="ko-KR" altLang="en-US" dirty="0" smtClean="0"/>
-                  <a:t>초 후 메인화면으로 돌아갑니다</a:t>
-                </a:r>
-                <a:endParaRPr lang="en-US" altLang="ko-KR" dirty="0" smtClean="0"/>
-              </a:p>
-              <a:p>
-                <a:pPr algn="ctr"/>
-                <a:endParaRPr lang="en-US" altLang="ko-KR" dirty="0" smtClean="0"/>
-              </a:p>
-            </p:txBody>
-          </p:sp>
-          <p:sp>
-            <p:nvSpPr>
-              <p:cNvPr id="5" name="직사각형 4"/>
-              <p:cNvSpPr/>
-              <p:nvPr/>
-            </p:nvSpPr>
-            <p:spPr>
-              <a:xfrm>
-                <a:off x="1296537" y="721092"/>
-                <a:ext cx="9908275" cy="313899"/>
-              </a:xfrm>
-              <a:prstGeom prst="rect">
-                <a:avLst/>
-              </a:prstGeom>
-            </p:spPr>
-            <p:style>
-              <a:lnRef idx="2">
-                <a:schemeClr val="accent3">
-                  <a:shade val="50000"/>
-                </a:schemeClr>
-              </a:lnRef>
-              <a:fillRef idx="1">
-                <a:schemeClr val="accent3"/>
-              </a:fillRef>
-              <a:effectRef idx="0">
-                <a:schemeClr val="accent3"/>
-              </a:effectRef>
-              <a:fontRef idx="minor">
-                <a:schemeClr val="lt1"/>
-              </a:fontRef>
-            </p:style>
-            <p:txBody>
-              <a:bodyPr rtlCol="0" anchor="ctr"/>
-              <a:lstStyle/>
-              <a:p>
-                <a:pPr algn="ctr"/>
-                <a:endParaRPr lang="ko-KR" altLang="en-US"/>
-              </a:p>
-            </p:txBody>
-          </p:sp>
-        </p:grpSp>
-        <p:grpSp>
-          <p:nvGrpSpPr>
-            <p:cNvPr id="9" name="그룹 8"/>
-            <p:cNvGrpSpPr/>
-            <p:nvPr/>
-          </p:nvGrpSpPr>
-          <p:grpSpPr>
-            <a:xfrm>
-              <a:off x="10877265" y="754281"/>
-              <a:ext cx="253476" cy="252000"/>
-              <a:chOff x="403229" y="3916409"/>
-              <a:chExt cx="253476" cy="252000"/>
-            </a:xfrm>
-          </p:grpSpPr>
-          <p:sp>
-            <p:nvSpPr>
-              <p:cNvPr id="7" name="순서도: 처리 6"/>
-              <p:cNvSpPr/>
-              <p:nvPr/>
-            </p:nvSpPr>
-            <p:spPr>
-              <a:xfrm>
-                <a:off x="403229" y="3916409"/>
-                <a:ext cx="253476" cy="252000"/>
-              </a:xfrm>
-              <a:prstGeom prst="flowChartProcess">
-                <a:avLst/>
-              </a:prstGeom>
-            </p:spPr>
-            <p:style>
-              <a:lnRef idx="2">
-                <a:schemeClr val="accent3">
-                  <a:shade val="50000"/>
-                </a:schemeClr>
-              </a:lnRef>
-              <a:fillRef idx="1">
-                <a:schemeClr val="accent3"/>
-              </a:fillRef>
-              <a:effectRef idx="0">
-                <a:schemeClr val="accent3"/>
-              </a:effectRef>
-              <a:fontRef idx="minor">
-                <a:schemeClr val="lt1"/>
-              </a:fontRef>
-            </p:style>
-            <p:txBody>
-              <a:bodyPr rtlCol="0" anchor="ctr"/>
-              <a:lstStyle/>
-              <a:p>
-                <a:pPr algn="ctr"/>
-                <a:endParaRPr lang="ko-KR" altLang="en-US"/>
-              </a:p>
-            </p:txBody>
-          </p:sp>
-          <p:sp>
-            <p:nvSpPr>
-              <p:cNvPr id="8" name="곱셈 기호 7"/>
-              <p:cNvSpPr/>
-              <p:nvPr/>
-            </p:nvSpPr>
-            <p:spPr>
-              <a:xfrm>
-                <a:off x="403229" y="3916409"/>
-                <a:ext cx="253476" cy="247523"/>
-              </a:xfrm>
-              <a:prstGeom prst="mathMultiply">
-                <a:avLst/>
-              </a:prstGeom>
-            </p:spPr>
-            <p:style>
-              <a:lnRef idx="2">
-                <a:schemeClr val="dk1"/>
-              </a:lnRef>
-              <a:fillRef idx="1">
-                <a:schemeClr val="lt1"/>
-              </a:fillRef>
-              <a:effectRef idx="0">
-                <a:schemeClr val="dk1"/>
-              </a:effectRef>
-              <a:fontRef idx="minor">
-                <a:schemeClr val="dk1"/>
-              </a:fontRef>
-            </p:style>
-            <p:txBody>
-              <a:bodyPr rtlCol="0" anchor="ctr"/>
-              <a:lstStyle/>
-              <a:p>
-                <a:pPr algn="ctr"/>
-                <a:endParaRPr lang="ko-KR" altLang="en-US"/>
-              </a:p>
-            </p:txBody>
-          </p:sp>
-        </p:grpSp>
-      </p:grpSp>
-      <p:sp>
-        <p:nvSpPr>
-          <p:cNvPr id="12" name="TextBox 11"/>
-          <p:cNvSpPr txBox="1"/>
-          <p:nvPr/>
-        </p:nvSpPr>
-        <p:spPr>
-          <a:xfrm>
-            <a:off x="1213409" y="6205756"/>
-            <a:ext cx="3228769" cy="369332"/>
-          </a:xfrm>
-          <a:prstGeom prst="rect">
-            <a:avLst/>
-          </a:prstGeom>
-          <a:noFill/>
-        </p:spPr>
-        <p:txBody>
-          <a:bodyPr wrap="none" rtlCol="0">
-            <a:spAutoFit/>
-          </a:bodyPr>
-          <a:lstStyle/>
-          <a:p>
-            <a:r>
-              <a:rPr lang="ko-KR" altLang="en-US" dirty="0" smtClean="0"/>
-              <a:t>이체 화면 </a:t>
-            </a:r>
-            <a:r>
-              <a:rPr lang="en-US" altLang="ko-KR" dirty="0" smtClean="0"/>
-              <a:t>6 – </a:t>
-            </a:r>
-            <a:r>
-              <a:rPr lang="ko-KR" altLang="en-US" dirty="0" smtClean="0"/>
-              <a:t>이체 성공 화면</a:t>
-            </a:r>
-            <a:endParaRPr lang="ko-KR" altLang="en-US" dirty="0"/>
-          </a:p>
-        </p:txBody>
-      </p:sp>
-      <p:sp>
-        <p:nvSpPr>
-          <p:cNvPr id="13" name="TextBox 12"/>
-          <p:cNvSpPr txBox="1"/>
-          <p:nvPr/>
-        </p:nvSpPr>
-        <p:spPr>
-          <a:xfrm>
-            <a:off x="1213408" y="217003"/>
-            <a:ext cx="2113079" cy="369332"/>
-          </a:xfrm>
-          <a:prstGeom prst="rect">
-            <a:avLst/>
-          </a:prstGeom>
-          <a:noFill/>
-        </p:spPr>
-        <p:txBody>
-          <a:bodyPr wrap="none" rtlCol="0">
-            <a:spAutoFit/>
-          </a:bodyPr>
-          <a:lstStyle/>
-          <a:p>
-            <a:r>
-              <a:rPr lang="ko-KR" altLang="en-US" dirty="0" smtClean="0"/>
-              <a:t>인터페이스 구성도</a:t>
-            </a:r>
-            <a:endParaRPr lang="ko-KR" altLang="en-US" dirty="0"/>
-          </a:p>
-        </p:txBody>
-      </p:sp>
-    </p:spTree>
-    <p:extLst>
-      <p:ext uri="{BB962C8B-B14F-4D97-AF65-F5344CB8AC3E}">
-        <p14:creationId xmlns:p14="http://schemas.microsoft.com/office/powerpoint/2010/main" val="3971014616"/>
-      </p:ext>
-    </p:extLst>
-  </p:cSld>
-  <p:clrMapOvr>
-    <a:masterClrMapping/>
-  </p:clrMapOvr>
-</p:sld>
-</file>
-
-<file path=ppt/slides/slide9.xml><?xml version="1.0" encoding="utf-8"?>
-<p:sld xmlns:a="http://schemas.openxmlformats.org/drawingml/2006/main" xmlns:r="http://schemas.openxmlformats.org/officeDocument/2006/relationships" xmlns:p="http://schemas.openxmlformats.org/presentationml/2006/main">
-  <p:cSld>
-    <p:spTree>
-      <p:nvGrpSpPr>
-        <p:cNvPr id="1" name=""/>
-        <p:cNvGrpSpPr/>
-        <p:nvPr/>
-      </p:nvGrpSpPr>
-      <p:grpSpPr>
-        <a:xfrm>
-          <a:off x="0" y="0"/>
-          <a:ext cx="0" cy="0"/>
-          <a:chOff x="0" y="0"/>
-          <a:chExt cx="0" cy="0"/>
-        </a:xfrm>
-      </p:grpSpPr>
-      <p:grpSp>
-        <p:nvGrpSpPr>
-          <p:cNvPr id="10" name="그룹 9"/>
-          <p:cNvGrpSpPr/>
-          <p:nvPr/>
-        </p:nvGrpSpPr>
-        <p:grpSpPr>
-          <a:xfrm>
-            <a:off x="1213409" y="787594"/>
-            <a:ext cx="9908275" cy="5104263"/>
-            <a:chOff x="1296537" y="721092"/>
-            <a:chExt cx="9908275" cy="5104263"/>
-          </a:xfrm>
-        </p:grpSpPr>
-        <p:grpSp>
-          <p:nvGrpSpPr>
-            <p:cNvPr id="6" name="그룹 5"/>
-            <p:cNvGrpSpPr/>
-            <p:nvPr/>
-          </p:nvGrpSpPr>
-          <p:grpSpPr>
-            <a:xfrm>
-              <a:off x="1296537" y="721092"/>
-              <a:ext cx="9908275" cy="5104263"/>
-              <a:chOff x="1296537" y="721092"/>
-              <a:chExt cx="9908275" cy="5104263"/>
-            </a:xfrm>
-          </p:grpSpPr>
-          <p:sp>
-            <p:nvSpPr>
-              <p:cNvPr id="4" name="직사각형 3"/>
-              <p:cNvSpPr/>
-              <p:nvPr/>
-            </p:nvSpPr>
-            <p:spPr>
-              <a:xfrm>
-                <a:off x="1296537" y="1034991"/>
-                <a:ext cx="9908275" cy="4790364"/>
-              </a:xfrm>
-              <a:prstGeom prst="rect">
-                <a:avLst/>
-              </a:prstGeom>
-            </p:spPr>
-            <p:style>
-              <a:lnRef idx="2">
-                <a:schemeClr val="dk1">
-                  <a:shade val="50000"/>
-                </a:schemeClr>
-              </a:lnRef>
-              <a:fillRef idx="1">
-                <a:schemeClr val="dk1"/>
-              </a:fillRef>
-              <a:effectRef idx="0">
-                <a:schemeClr val="dk1"/>
-              </a:effectRef>
-              <a:fontRef idx="minor">
-                <a:schemeClr val="lt1"/>
-              </a:fontRef>
-            </p:style>
-            <p:txBody>
-              <a:bodyPr rtlCol="0" anchor="t"/>
-              <a:lstStyle/>
-              <a:p>
-                <a:pPr marL="342900" indent="-342900" algn="ctr">
-                  <a:buAutoNum type="arabicPeriod"/>
-                </a:pPr>
-                <a:endParaRPr lang="en-US" altLang="ko-KR" dirty="0" smtClean="0"/>
-              </a:p>
-              <a:p>
-                <a:pPr marL="342900" indent="-342900" algn="ctr">
-                  <a:buAutoNum type="arabicPeriod"/>
-                </a:pPr>
-                <a:endParaRPr lang="en-US" altLang="ko-KR" dirty="0"/>
-              </a:p>
-              <a:p>
-                <a:pPr algn="ctr"/>
-                <a:r>
-                  <a:rPr lang="ko-KR" altLang="en-US" dirty="0" smtClean="0"/>
-                  <a:t>송금에 실패하였습니다</a:t>
-                </a:r>
-                <a:endParaRPr lang="en-US" altLang="ko-KR" dirty="0" smtClean="0"/>
-              </a:p>
-              <a:p>
-                <a:pPr algn="ctr"/>
-                <a:endParaRPr lang="en-US" altLang="ko-KR" dirty="0"/>
-              </a:p>
-              <a:p>
-                <a:pPr algn="ctr"/>
-                <a:r>
-                  <a:rPr lang="ko-KR" altLang="en-US" dirty="0" smtClean="0"/>
-                  <a:t>실패 원인</a:t>
-                </a:r>
-                <a:endParaRPr lang="en-US" altLang="ko-KR" dirty="0" smtClean="0"/>
-              </a:p>
-              <a:p>
-                <a:pPr algn="ctr"/>
-                <a:r>
-                  <a:rPr lang="ko-KR" altLang="en-US" dirty="0" smtClean="0"/>
-                  <a:t>잔액 부족</a:t>
-                </a:r>
-                <a:endParaRPr lang="en-US" altLang="ko-KR" dirty="0" smtClean="0"/>
-              </a:p>
-              <a:p>
-                <a:pPr algn="ctr"/>
-                <a:endParaRPr lang="en-US" altLang="ko-KR" dirty="0"/>
-              </a:p>
-              <a:p>
-                <a:pPr algn="ctr"/>
-                <a:r>
-                  <a:rPr lang="en-US" altLang="ko-KR" dirty="0" smtClean="0"/>
-                  <a:t>10</a:t>
-                </a:r>
-                <a:r>
-                  <a:rPr lang="ko-KR" altLang="en-US" dirty="0" smtClean="0"/>
-                  <a:t>초 후 메인화면으로 돌아갑니다</a:t>
-                </a:r>
-                <a:endParaRPr lang="en-US" altLang="ko-KR" dirty="0" smtClean="0"/>
-              </a:p>
-            </p:txBody>
-          </p:sp>
-          <p:sp>
-            <p:nvSpPr>
-              <p:cNvPr id="5" name="직사각형 4"/>
-              <p:cNvSpPr/>
-              <p:nvPr/>
-            </p:nvSpPr>
-            <p:spPr>
-              <a:xfrm>
-                <a:off x="1296537" y="721092"/>
-                <a:ext cx="9908275" cy="313899"/>
-              </a:xfrm>
-              <a:prstGeom prst="rect">
-                <a:avLst/>
-              </a:prstGeom>
-            </p:spPr>
-            <p:style>
-              <a:lnRef idx="2">
-                <a:schemeClr val="accent3">
-                  <a:shade val="50000"/>
-                </a:schemeClr>
-              </a:lnRef>
-              <a:fillRef idx="1">
-                <a:schemeClr val="accent3"/>
-              </a:fillRef>
-              <a:effectRef idx="0">
-                <a:schemeClr val="accent3"/>
-              </a:effectRef>
-              <a:fontRef idx="minor">
-                <a:schemeClr val="lt1"/>
-              </a:fontRef>
-            </p:style>
-            <p:txBody>
-              <a:bodyPr rtlCol="0" anchor="ctr"/>
-              <a:lstStyle/>
-              <a:p>
-                <a:pPr algn="ctr"/>
-                <a:endParaRPr lang="ko-KR" altLang="en-US"/>
-              </a:p>
-            </p:txBody>
-          </p:sp>
-        </p:grpSp>
-        <p:grpSp>
-          <p:nvGrpSpPr>
-            <p:cNvPr id="9" name="그룹 8"/>
-            <p:cNvGrpSpPr/>
-            <p:nvPr/>
-          </p:nvGrpSpPr>
-          <p:grpSpPr>
-            <a:xfrm>
-              <a:off x="10877265" y="754281"/>
-              <a:ext cx="253476" cy="252000"/>
-              <a:chOff x="403229" y="3916409"/>
-              <a:chExt cx="253476" cy="252000"/>
-            </a:xfrm>
-          </p:grpSpPr>
-          <p:sp>
-            <p:nvSpPr>
-              <p:cNvPr id="7" name="순서도: 처리 6"/>
-              <p:cNvSpPr/>
-              <p:nvPr/>
-            </p:nvSpPr>
-            <p:spPr>
-              <a:xfrm>
-                <a:off x="403229" y="3916409"/>
-                <a:ext cx="253476" cy="252000"/>
-              </a:xfrm>
-              <a:prstGeom prst="flowChartProcess">
-                <a:avLst/>
-              </a:prstGeom>
-            </p:spPr>
-            <p:style>
-              <a:lnRef idx="2">
-                <a:schemeClr val="accent3">
-                  <a:shade val="50000"/>
-                </a:schemeClr>
-              </a:lnRef>
-              <a:fillRef idx="1">
-                <a:schemeClr val="accent3"/>
-              </a:fillRef>
-              <a:effectRef idx="0">
-                <a:schemeClr val="accent3"/>
-              </a:effectRef>
-              <a:fontRef idx="minor">
-                <a:schemeClr val="lt1"/>
-              </a:fontRef>
-            </p:style>
-            <p:txBody>
-              <a:bodyPr rtlCol="0" anchor="ctr"/>
-              <a:lstStyle/>
-              <a:p>
-                <a:pPr algn="ctr"/>
-                <a:endParaRPr lang="ko-KR" altLang="en-US"/>
-              </a:p>
-            </p:txBody>
-          </p:sp>
-          <p:sp>
-            <p:nvSpPr>
-              <p:cNvPr id="8" name="곱셈 기호 7"/>
-              <p:cNvSpPr/>
-              <p:nvPr/>
-            </p:nvSpPr>
-            <p:spPr>
-              <a:xfrm>
-                <a:off x="403229" y="3916409"/>
-                <a:ext cx="253476" cy="247523"/>
-              </a:xfrm>
-              <a:prstGeom prst="mathMultiply">
-                <a:avLst/>
-              </a:prstGeom>
-            </p:spPr>
-            <p:style>
-              <a:lnRef idx="2">
-                <a:schemeClr val="dk1"/>
-              </a:lnRef>
-              <a:fillRef idx="1">
-                <a:schemeClr val="lt1"/>
-              </a:fillRef>
-              <a:effectRef idx="0">
-                <a:schemeClr val="dk1"/>
-              </a:effectRef>
-              <a:fontRef idx="minor">
-                <a:schemeClr val="dk1"/>
-              </a:fontRef>
-            </p:style>
-            <p:txBody>
-              <a:bodyPr rtlCol="0" anchor="ctr"/>
-              <a:lstStyle/>
-              <a:p>
-                <a:pPr algn="ctr"/>
-                <a:endParaRPr lang="ko-KR" altLang="en-US"/>
-              </a:p>
-            </p:txBody>
-          </p:sp>
-        </p:grpSp>
-      </p:grpSp>
-      <p:sp>
-        <p:nvSpPr>
-          <p:cNvPr id="12" name="TextBox 11"/>
-          <p:cNvSpPr txBox="1"/>
-          <p:nvPr/>
-        </p:nvSpPr>
-        <p:spPr>
-          <a:xfrm>
-            <a:off x="1213409" y="6205756"/>
-            <a:ext cx="3228769" cy="369332"/>
-          </a:xfrm>
-          <a:prstGeom prst="rect">
-            <a:avLst/>
-          </a:prstGeom>
-          <a:noFill/>
-        </p:spPr>
-        <p:txBody>
-          <a:bodyPr wrap="none" rtlCol="0">
-            <a:spAutoFit/>
-          </a:bodyPr>
-          <a:lstStyle/>
-          <a:p>
-            <a:r>
-              <a:rPr lang="ko-KR" altLang="en-US" dirty="0" smtClean="0"/>
-              <a:t>이체 화면 </a:t>
-            </a:r>
-            <a:r>
-              <a:rPr lang="en-US" altLang="ko-KR" dirty="0" smtClean="0"/>
-              <a:t>7 – </a:t>
-            </a:r>
-            <a:r>
-              <a:rPr lang="ko-KR" altLang="en-US" dirty="0" smtClean="0"/>
-              <a:t>이체 실패 화면</a:t>
-            </a:r>
-            <a:endParaRPr lang="ko-KR" altLang="en-US" dirty="0"/>
-          </a:p>
-        </p:txBody>
-      </p:sp>
-      <p:sp>
-        <p:nvSpPr>
-          <p:cNvPr id="13" name="TextBox 12"/>
-          <p:cNvSpPr txBox="1"/>
-          <p:nvPr/>
-        </p:nvSpPr>
-        <p:spPr>
-          <a:xfrm>
-            <a:off x="1213408" y="217003"/>
-            <a:ext cx="2113079" cy="369332"/>
-          </a:xfrm>
-          <a:prstGeom prst="rect">
-            <a:avLst/>
-          </a:prstGeom>
-          <a:noFill/>
-        </p:spPr>
-        <p:txBody>
-          <a:bodyPr wrap="none" rtlCol="0">
-            <a:spAutoFit/>
-          </a:bodyPr>
-          <a:lstStyle/>
-          <a:p>
-            <a:r>
-              <a:rPr lang="ko-KR" altLang="en-US" dirty="0" smtClean="0"/>
-              <a:t>인터페이스 구성도</a:t>
-            </a:r>
-            <a:endParaRPr lang="ko-KR" altLang="en-US" dirty="0"/>
-          </a:p>
-        </p:txBody>
-      </p:sp>
-    </p:spTree>
-    <p:extLst>
-      <p:ext uri="{BB962C8B-B14F-4D97-AF65-F5344CB8AC3E}">
-        <p14:creationId xmlns:p14="http://schemas.microsoft.com/office/powerpoint/2010/main" val="1587585977"/>
       </p:ext>
     </p:extLst>
   </p:cSld>

--- a/기타/인터페이스/인터페이스 양식.pptx
+++ b/기타/인터페이스/인터페이스 양식.pptx
@@ -6,7 +6,8 @@
   </p:sldMasterIdLst>
   <p:sldIdLst>
     <p:sldId id="256" r:id="rId2"/>
-    <p:sldId id="262" r:id="rId3"/>
+    <p:sldId id="263" r:id="rId3"/>
+    <p:sldId id="262" r:id="rId4"/>
   </p:sldIdLst>
   <p:sldSz cx="12192000" cy="6858000"/>
   <p:notesSz cx="6858000" cy="9144000"/>
@@ -3404,6 +3405,454 @@
               <a:bodyPr rtlCol="0" anchor="t"/>
               <a:lstStyle/>
               <a:p>
+                <a:pPr algn="ctr"/>
+                <a:endParaRPr lang="en-US" altLang="ko-KR" dirty="0" smtClean="0"/>
+              </a:p>
+              <a:p>
+                <a:pPr algn="ctr"/>
+                <a:endParaRPr lang="en-US" altLang="ko-KR" dirty="0" smtClean="0"/>
+              </a:p>
+              <a:p>
+                <a:pPr algn="ctr"/>
+                <a:r>
+                  <a:rPr lang="ko-KR" altLang="en-US" dirty="0" smtClean="0"/>
+                  <a:t>보이스피싱 범행 가담 주의</a:t>
+                </a:r>
+                <a:endParaRPr lang="en-US" altLang="ko-KR" dirty="0" smtClean="0"/>
+              </a:p>
+              <a:p>
+                <a:pPr algn="ctr"/>
+                <a:endParaRPr lang="en-US" altLang="ko-KR" dirty="0"/>
+              </a:p>
+              <a:p>
+                <a:pPr algn="ctr"/>
+                <a:r>
+                  <a:rPr lang="ko-KR" altLang="en-US" dirty="0" smtClean="0"/>
+                  <a:t>타인의 카드</a:t>
+                </a:r>
+                <a:r>
+                  <a:rPr lang="en-US" altLang="ko-KR" dirty="0" smtClean="0"/>
+                  <a:t>, </a:t>
+                </a:r>
+                <a:r>
+                  <a:rPr lang="ko-KR" altLang="en-US" dirty="0" smtClean="0"/>
+                  <a:t>통장을 이용한 현금 인출이나</a:t>
+                </a:r>
+                <a:r>
+                  <a:rPr lang="en-US" altLang="ko-KR" dirty="0" smtClean="0"/>
+                  <a:t>,</a:t>
+                </a:r>
+              </a:p>
+              <a:p>
+                <a:pPr algn="ctr"/>
+                <a:r>
+                  <a:rPr lang="ko-KR" altLang="en-US" dirty="0" smtClean="0"/>
+                  <a:t>타인 신원을 이용하여 무통장 입금을 대행하는 일은</a:t>
+                </a:r>
+                <a:endParaRPr lang="en-US" altLang="ko-KR" dirty="0" smtClean="0"/>
+              </a:p>
+              <a:p>
+                <a:pPr algn="ctr"/>
+                <a:r>
+                  <a:rPr lang="ko-KR" altLang="en-US" dirty="0" smtClean="0"/>
+                  <a:t>보이스 피싱 범죄일 수 있습니다</a:t>
+                </a:r>
+                <a:r>
+                  <a:rPr lang="en-US" altLang="ko-KR" dirty="0" smtClean="0"/>
+                  <a:t>.</a:t>
+                </a:r>
+              </a:p>
+              <a:p>
+                <a:pPr algn="ctr"/>
+                <a:endParaRPr lang="en-US" altLang="ko-KR" dirty="0"/>
+              </a:p>
+              <a:p>
+                <a:pPr algn="ctr"/>
+                <a:r>
+                  <a:rPr lang="ko-KR" altLang="en-US" dirty="0" smtClean="0"/>
+                  <a:t>의심스러운 경우 즉시 수사기관에 신고하시기 바랍니다</a:t>
+                </a:r>
+                <a:r>
+                  <a:rPr lang="en-US" altLang="ko-KR" dirty="0" smtClean="0"/>
+                  <a:t>.</a:t>
+                </a:r>
+              </a:p>
+              <a:p>
+                <a:pPr algn="ctr"/>
+                <a:endParaRPr lang="en-US" altLang="ko-KR" dirty="0" smtClean="0"/>
+              </a:p>
+              <a:p>
+                <a:pPr algn="ctr"/>
+                <a:endParaRPr lang="en-US" altLang="ko-KR" dirty="0"/>
+              </a:p>
+              <a:p>
+                <a:pPr algn="ctr"/>
+                <a:r>
+                  <a:rPr lang="ko-KR" altLang="en-US" dirty="0" smtClean="0"/>
+                  <a:t>다음단계로</a:t>
+                </a:r>
+                <a:endParaRPr lang="en-US" altLang="ko-KR" dirty="0" smtClean="0"/>
+              </a:p>
+              <a:p>
+                <a:pPr algn="ctr"/>
+                <a:endParaRPr lang="en-US" altLang="ko-KR" dirty="0" smtClean="0"/>
+              </a:p>
+              <a:p>
+                <a:pPr algn="ctr"/>
+                <a:r>
+                  <a:rPr lang="ko-KR" altLang="en-US" dirty="0" smtClean="0"/>
+                  <a:t>취소</a:t>
+                </a:r>
+                <a:endParaRPr lang="ko-KR" altLang="en-US" dirty="0"/>
+              </a:p>
+            </p:txBody>
+          </p:sp>
+          <p:sp>
+            <p:nvSpPr>
+              <p:cNvPr id="5" name="직사각형 4"/>
+              <p:cNvSpPr/>
+              <p:nvPr/>
+            </p:nvSpPr>
+            <p:spPr>
+              <a:xfrm>
+                <a:off x="1296537" y="721092"/>
+                <a:ext cx="9908275" cy="313899"/>
+              </a:xfrm>
+              <a:prstGeom prst="rect">
+                <a:avLst/>
+              </a:prstGeom>
+            </p:spPr>
+            <p:style>
+              <a:lnRef idx="2">
+                <a:schemeClr val="accent3">
+                  <a:shade val="50000"/>
+                </a:schemeClr>
+              </a:lnRef>
+              <a:fillRef idx="1">
+                <a:schemeClr val="accent3"/>
+              </a:fillRef>
+              <a:effectRef idx="0">
+                <a:schemeClr val="accent3"/>
+              </a:effectRef>
+              <a:fontRef idx="minor">
+                <a:schemeClr val="lt1"/>
+              </a:fontRef>
+            </p:style>
+            <p:txBody>
+              <a:bodyPr rtlCol="0" anchor="ctr"/>
+              <a:lstStyle/>
+              <a:p>
+                <a:pPr algn="ctr"/>
+                <a:endParaRPr lang="ko-KR" altLang="en-US"/>
+              </a:p>
+            </p:txBody>
+          </p:sp>
+        </p:grpSp>
+        <p:grpSp>
+          <p:nvGrpSpPr>
+            <p:cNvPr id="9" name="그룹 8"/>
+            <p:cNvGrpSpPr/>
+            <p:nvPr/>
+          </p:nvGrpSpPr>
+          <p:grpSpPr>
+            <a:xfrm>
+              <a:off x="10877265" y="754281"/>
+              <a:ext cx="253476" cy="252000"/>
+              <a:chOff x="403229" y="3916409"/>
+              <a:chExt cx="253476" cy="252000"/>
+            </a:xfrm>
+          </p:grpSpPr>
+          <p:sp>
+            <p:nvSpPr>
+              <p:cNvPr id="7" name="순서도: 처리 6"/>
+              <p:cNvSpPr/>
+              <p:nvPr/>
+            </p:nvSpPr>
+            <p:spPr>
+              <a:xfrm>
+                <a:off x="403229" y="3916409"/>
+                <a:ext cx="253476" cy="252000"/>
+              </a:xfrm>
+              <a:prstGeom prst="flowChartProcess">
+                <a:avLst/>
+              </a:prstGeom>
+            </p:spPr>
+            <p:style>
+              <a:lnRef idx="2">
+                <a:schemeClr val="accent3">
+                  <a:shade val="50000"/>
+                </a:schemeClr>
+              </a:lnRef>
+              <a:fillRef idx="1">
+                <a:schemeClr val="accent3"/>
+              </a:fillRef>
+              <a:effectRef idx="0">
+                <a:schemeClr val="accent3"/>
+              </a:effectRef>
+              <a:fontRef idx="minor">
+                <a:schemeClr val="lt1"/>
+              </a:fontRef>
+            </p:style>
+            <p:txBody>
+              <a:bodyPr rtlCol="0" anchor="ctr"/>
+              <a:lstStyle/>
+              <a:p>
+                <a:pPr algn="ctr"/>
+                <a:endParaRPr lang="ko-KR" altLang="en-US"/>
+              </a:p>
+            </p:txBody>
+          </p:sp>
+          <p:sp>
+            <p:nvSpPr>
+              <p:cNvPr id="8" name="곱셈 기호 7"/>
+              <p:cNvSpPr/>
+              <p:nvPr/>
+            </p:nvSpPr>
+            <p:spPr>
+              <a:xfrm>
+                <a:off x="403229" y="3916409"/>
+                <a:ext cx="253476" cy="247523"/>
+              </a:xfrm>
+              <a:prstGeom prst="mathMultiply">
+                <a:avLst/>
+              </a:prstGeom>
+            </p:spPr>
+            <p:style>
+              <a:lnRef idx="2">
+                <a:schemeClr val="dk1"/>
+              </a:lnRef>
+              <a:fillRef idx="1">
+                <a:schemeClr val="lt1"/>
+              </a:fillRef>
+              <a:effectRef idx="0">
+                <a:schemeClr val="dk1"/>
+              </a:effectRef>
+              <a:fontRef idx="minor">
+                <a:schemeClr val="dk1"/>
+              </a:fontRef>
+            </p:style>
+            <p:txBody>
+              <a:bodyPr rtlCol="0" anchor="ctr"/>
+              <a:lstStyle/>
+              <a:p>
+                <a:pPr algn="ctr"/>
+                <a:endParaRPr lang="ko-KR" altLang="en-US"/>
+              </a:p>
+            </p:txBody>
+          </p:sp>
+        </p:grpSp>
+      </p:grpSp>
+      <p:sp>
+        <p:nvSpPr>
+          <p:cNvPr id="12" name="TextBox 11"/>
+          <p:cNvSpPr txBox="1"/>
+          <p:nvPr/>
+        </p:nvSpPr>
+        <p:spPr>
+          <a:xfrm>
+            <a:off x="1213409" y="6205756"/>
+            <a:ext cx="1733167" cy="369332"/>
+          </a:xfrm>
+          <a:prstGeom prst="rect">
+            <a:avLst/>
+          </a:prstGeom>
+          <a:noFill/>
+        </p:spPr>
+        <p:txBody>
+          <a:bodyPr wrap="none" rtlCol="0">
+            <a:spAutoFit/>
+          </a:bodyPr>
+          <a:lstStyle/>
+          <a:p>
+            <a:r>
+              <a:rPr lang="ko-KR" altLang="en-US" dirty="0" smtClean="0"/>
+              <a:t>범죄 노출 확인</a:t>
+            </a:r>
+            <a:endParaRPr lang="ko-KR" altLang="en-US" dirty="0"/>
+          </a:p>
+        </p:txBody>
+      </p:sp>
+      <p:sp>
+        <p:nvSpPr>
+          <p:cNvPr id="13" name="TextBox 12"/>
+          <p:cNvSpPr txBox="1"/>
+          <p:nvPr/>
+        </p:nvSpPr>
+        <p:spPr>
+          <a:xfrm>
+            <a:off x="1213408" y="217003"/>
+            <a:ext cx="2113079" cy="369332"/>
+          </a:xfrm>
+          <a:prstGeom prst="rect">
+            <a:avLst/>
+          </a:prstGeom>
+          <a:noFill/>
+        </p:spPr>
+        <p:txBody>
+          <a:bodyPr wrap="none" rtlCol="0">
+            <a:spAutoFit/>
+          </a:bodyPr>
+          <a:lstStyle/>
+          <a:p>
+            <a:r>
+              <a:rPr lang="ko-KR" altLang="en-US" dirty="0" smtClean="0"/>
+              <a:t>인터페이스 구성도</a:t>
+            </a:r>
+            <a:endParaRPr lang="ko-KR" altLang="en-US" dirty="0"/>
+          </a:p>
+        </p:txBody>
+      </p:sp>
+      <p:sp>
+        <p:nvSpPr>
+          <p:cNvPr id="2" name="TextBox 1"/>
+          <p:cNvSpPr txBox="1"/>
+          <p:nvPr/>
+        </p:nvSpPr>
+        <p:spPr>
+          <a:xfrm>
+            <a:off x="758938" y="4130565"/>
+            <a:ext cx="6373861" cy="369332"/>
+          </a:xfrm>
+          <a:prstGeom prst="rect">
+            <a:avLst/>
+          </a:prstGeom>
+          <a:noFill/>
+        </p:spPr>
+        <p:txBody>
+          <a:bodyPr wrap="none" rtlCol="0">
+            <a:spAutoFit/>
+          </a:bodyPr>
+          <a:lstStyle/>
+          <a:p>
+            <a:r>
+              <a:rPr lang="en-US" altLang="ko-KR" dirty="0" smtClean="0"/>
+              <a:t>.  </a:t>
+            </a:r>
+            <a:r>
+              <a:rPr lang="en-US" altLang="ko-KR" dirty="0" smtClean="0">
+                <a:solidFill>
+                  <a:schemeClr val="bg1"/>
+                </a:solidFill>
+              </a:rPr>
+              <a:t>                                                     &lt; </a:t>
+            </a:r>
+            <a:r>
+              <a:rPr lang="ko-KR" altLang="en-US" dirty="0" smtClean="0">
+                <a:solidFill>
+                  <a:schemeClr val="bg1"/>
+                </a:solidFill>
+              </a:rPr>
+              <a:t>다음단계로 </a:t>
+            </a:r>
+            <a:r>
+              <a:rPr lang="en-US" altLang="ko-KR" dirty="0" smtClean="0">
+                <a:solidFill>
+                  <a:schemeClr val="bg1"/>
+                </a:solidFill>
+              </a:rPr>
+              <a:t>&gt;</a:t>
+            </a:r>
+            <a:endParaRPr lang="ko-KR" altLang="en-US" dirty="0">
+              <a:solidFill>
+                <a:schemeClr val="bg1"/>
+              </a:solidFill>
+            </a:endParaRPr>
+          </a:p>
+        </p:txBody>
+      </p:sp>
+    </p:spTree>
+    <p:extLst>
+      <p:ext uri="{BB962C8B-B14F-4D97-AF65-F5344CB8AC3E}">
+        <p14:creationId xmlns:p14="http://schemas.microsoft.com/office/powerpoint/2010/main" val="2533535379"/>
+      </p:ext>
+    </p:extLst>
+  </p:cSld>
+  <p:clrMapOvr>
+    <a:masterClrMapping/>
+  </p:clrMapOvr>
+</p:sld>
+</file>
+
+<file path=ppt/slides/slide3.xml><?xml version="1.0" encoding="utf-8"?>
+<p:sld xmlns:a="http://schemas.openxmlformats.org/drawingml/2006/main" xmlns:r="http://schemas.openxmlformats.org/officeDocument/2006/relationships" xmlns:p="http://schemas.openxmlformats.org/presentationml/2006/main">
+  <p:cSld>
+    <p:spTree>
+      <p:nvGrpSpPr>
+        <p:cNvPr id="1" name=""/>
+        <p:cNvGrpSpPr/>
+        <p:nvPr/>
+      </p:nvGrpSpPr>
+      <p:grpSpPr>
+        <a:xfrm>
+          <a:off x="0" y="0"/>
+          <a:ext cx="0" cy="0"/>
+          <a:chOff x="0" y="0"/>
+          <a:chExt cx="0" cy="0"/>
+        </a:xfrm>
+      </p:grpSpPr>
+      <p:grpSp>
+        <p:nvGrpSpPr>
+          <p:cNvPr id="10" name="그룹 9"/>
+          <p:cNvGrpSpPr/>
+          <p:nvPr/>
+        </p:nvGrpSpPr>
+        <p:grpSpPr>
+          <a:xfrm>
+            <a:off x="1213409" y="787594"/>
+            <a:ext cx="9908275" cy="5104263"/>
+            <a:chOff x="1296537" y="721092"/>
+            <a:chExt cx="9908275" cy="5104263"/>
+          </a:xfrm>
+        </p:grpSpPr>
+        <p:grpSp>
+          <p:nvGrpSpPr>
+            <p:cNvPr id="6" name="그룹 5"/>
+            <p:cNvGrpSpPr/>
+            <p:nvPr/>
+          </p:nvGrpSpPr>
+          <p:grpSpPr>
+            <a:xfrm>
+              <a:off x="1296537" y="721092"/>
+              <a:ext cx="9908275" cy="5104263"/>
+              <a:chOff x="1296537" y="721092"/>
+              <a:chExt cx="9908275" cy="5104263"/>
+            </a:xfrm>
+          </p:grpSpPr>
+          <p:sp>
+            <p:nvSpPr>
+              <p:cNvPr id="4" name="직사각형 3"/>
+              <p:cNvSpPr/>
+              <p:nvPr/>
+            </p:nvSpPr>
+            <p:spPr>
+              <a:xfrm>
+                <a:off x="1296537" y="1034991"/>
+                <a:ext cx="9908275" cy="4790364"/>
+              </a:xfrm>
+              <a:prstGeom prst="rect">
+                <a:avLst/>
+              </a:prstGeom>
+            </p:spPr>
+            <p:style>
+              <a:lnRef idx="2">
+                <a:schemeClr val="dk1">
+                  <a:shade val="50000"/>
+                </a:schemeClr>
+              </a:lnRef>
+              <a:fillRef idx="1">
+                <a:schemeClr val="dk1"/>
+              </a:fillRef>
+              <a:effectRef idx="0">
+                <a:schemeClr val="dk1"/>
+              </a:effectRef>
+              <a:fontRef idx="minor">
+                <a:schemeClr val="lt1"/>
+              </a:fontRef>
+            </p:style>
+            <p:txBody>
+              <a:bodyPr rtlCol="0" anchor="t"/>
+              <a:lstStyle/>
+              <a:p>
                 <a:pPr marL="342900" indent="-342900" algn="ctr">
                   <a:buAutoNum type="arabicPeriod"/>
                 </a:pPr>
